--- a/Group 8 ArcherBattle.pptx
+++ b/Group 8 ArcherBattle.pptx
@@ -34972,8 +34972,8 @@
         </p:nvSpPr>
         <p:spPr>
           <a:xfrm>
-            <a:off x="10164932" y="214093"/>
-            <a:ext cx="1793289" cy="923330"/>
+            <a:off x="9392576" y="214093"/>
+            <a:ext cx="2565646" cy="646331"/>
           </a:xfrm>
           <a:prstGeom prst="rect">
             <a:avLst/>
@@ -35113,8 +35113,8 @@
         </p:nvSpPr>
         <p:spPr>
           <a:xfrm>
-            <a:off x="1864311" y="1492530"/>
-            <a:ext cx="3986074" cy="4934903"/>
+            <a:off x="98521" y="1484734"/>
+            <a:ext cx="3860920" cy="4934903"/>
           </a:xfrm>
           <a:prstGeom prst="rect">
             <a:avLst/>
@@ -35188,6 +35188,24 @@
             <a:r>
               <a:rPr lang="en-US" altLang="zh-CN" dirty="0"/>
               <a:t> Goal;//star</a:t>
+            </a:r>
+          </a:p>
+          <a:p>
+            <a:r>
+              <a:rPr lang="en-US" altLang="zh-CN" dirty="0" err="1"/>
+              <a:t>FindingPath</a:t>
+            </a:r>
+            <a:r>
+              <a:rPr lang="en-US" altLang="zh-CN" dirty="0"/>
+              <a:t> </a:t>
+            </a:r>
+            <a:r>
+              <a:rPr lang="en-US" altLang="zh-CN" dirty="0" err="1"/>
+              <a:t>findingPath</a:t>
+            </a:r>
+            <a:r>
+              <a:rPr lang="en-US" altLang="zh-CN" dirty="0"/>
+              <a:t>;</a:t>
             </a:r>
           </a:p>
           <a:p>
@@ -35328,8 +35346,8 @@
         </p:nvSpPr>
         <p:spPr>
           <a:xfrm>
-            <a:off x="6375647" y="1492530"/>
-            <a:ext cx="3986074" cy="4934903"/>
+            <a:off x="4183306" y="1484733"/>
+            <a:ext cx="3505199" cy="4934903"/>
           </a:xfrm>
           <a:prstGeom prst="rect">
             <a:avLst/>
@@ -35501,6 +35519,420 @@
               <a:t>…</a:t>
             </a:r>
             <a:endParaRPr lang="zh-CN" altLang="en-US" dirty="0"/>
+          </a:p>
+          <a:p>
+            <a:r>
+              <a:rPr lang="en-US" altLang="zh-CN" dirty="0"/>
+              <a:t>};</a:t>
+            </a:r>
+            <a:endParaRPr lang="zh-CN" altLang="en-US" dirty="0"/>
+          </a:p>
+        </p:txBody>
+      </p:sp>
+      <p:sp>
+        <p:nvSpPr>
+          <p:cNvPr id="8" name="Rectangle 7">
+            <a:extLst>
+              <a:ext uri="{FF2B5EF4-FFF2-40B4-BE49-F238E27FC236}">
+                <a16:creationId xmlns:a16="http://schemas.microsoft.com/office/drawing/2014/main" id="{D9120C2C-5030-485F-9D93-834C7AEC5A41}"/>
+              </a:ext>
+            </a:extLst>
+          </p:cNvPr>
+          <p:cNvSpPr/>
+          <p:nvPr/>
+        </p:nvSpPr>
+        <p:spPr>
+          <a:xfrm>
+            <a:off x="8248836" y="928262"/>
+            <a:ext cx="3098306" cy="442262"/>
+          </a:xfrm>
+          <a:prstGeom prst="rect">
+            <a:avLst/>
+          </a:prstGeom>
+        </p:spPr>
+        <p:style>
+          <a:lnRef idx="2">
+            <a:schemeClr val="accent1">
+              <a:shade val="50000"/>
+            </a:schemeClr>
+          </a:lnRef>
+          <a:fillRef idx="1">
+            <a:schemeClr val="accent1"/>
+          </a:fillRef>
+          <a:effectRef idx="0">
+            <a:schemeClr val="accent1"/>
+          </a:effectRef>
+          <a:fontRef idx="minor">
+            <a:schemeClr val="lt1"/>
+          </a:fontRef>
+        </p:style>
+        <p:txBody>
+          <a:bodyPr rtlCol="0" anchor="ctr"/>
+          <a:lstStyle/>
+          <a:p>
+            <a:pPr algn="ctr"/>
+            <a:r>
+              <a:rPr lang="en-US" altLang="zh-CN" dirty="0"/>
+              <a:t>Class for Board First Search</a:t>
+            </a:r>
+          </a:p>
+        </p:txBody>
+      </p:sp>
+      <p:sp>
+        <p:nvSpPr>
+          <p:cNvPr id="9" name="Rectangle 8">
+            <a:extLst>
+              <a:ext uri="{FF2B5EF4-FFF2-40B4-BE49-F238E27FC236}">
+                <a16:creationId xmlns:a16="http://schemas.microsoft.com/office/drawing/2014/main" id="{C3A9EFA0-C4CF-406E-8F09-0B92A3BD29FC}"/>
+              </a:ext>
+            </a:extLst>
+          </p:cNvPr>
+          <p:cNvSpPr/>
+          <p:nvPr/>
+        </p:nvSpPr>
+        <p:spPr>
+          <a:xfrm>
+            <a:off x="7912370" y="1514609"/>
+            <a:ext cx="4145872" cy="5233892"/>
+          </a:xfrm>
+          <a:prstGeom prst="rect">
+            <a:avLst/>
+          </a:prstGeom>
+        </p:spPr>
+        <p:style>
+          <a:lnRef idx="2">
+            <a:schemeClr val="accent1">
+              <a:shade val="50000"/>
+            </a:schemeClr>
+          </a:lnRef>
+          <a:fillRef idx="1">
+            <a:schemeClr val="accent1"/>
+          </a:fillRef>
+          <a:effectRef idx="0">
+            <a:schemeClr val="accent1"/>
+          </a:effectRef>
+          <a:fontRef idx="minor">
+            <a:schemeClr val="lt1"/>
+          </a:fontRef>
+        </p:style>
+        <p:txBody>
+          <a:bodyPr rtlCol="0" anchor="ctr"/>
+          <a:lstStyle/>
+          <a:p>
+            <a:r>
+              <a:rPr lang="en-US" altLang="zh-CN" dirty="0"/>
+              <a:t>class </a:t>
+            </a:r>
+            <a:r>
+              <a:rPr lang="en-US" altLang="zh-CN" dirty="0" err="1"/>
+              <a:t>FindingPath</a:t>
+            </a:r>
+            <a:r>
+              <a:rPr lang="en-US" altLang="zh-CN" dirty="0"/>
+              <a:t> </a:t>
+            </a:r>
+          </a:p>
+          <a:p>
+            <a:r>
+              <a:rPr lang="en-US" altLang="zh-CN" dirty="0"/>
+              <a:t>{</a:t>
+            </a:r>
+          </a:p>
+          <a:p>
+            <a:r>
+              <a:rPr lang="en-US" altLang="zh-CN" dirty="0"/>
+              <a:t>public: </a:t>
+            </a:r>
+          </a:p>
+          <a:p>
+            <a:r>
+              <a:rPr lang="en-US" altLang="zh-CN" dirty="0" err="1"/>
+              <a:t>std</a:t>
+            </a:r>
+            <a:r>
+              <a:rPr lang="en-US" altLang="zh-CN" dirty="0"/>
+              <a:t>::vector&lt;</a:t>
+            </a:r>
+            <a:r>
+              <a:rPr lang="en-US" altLang="zh-CN" dirty="0" err="1"/>
+              <a:t>GameObject</a:t>
+            </a:r>
+            <a:r>
+              <a:rPr lang="en-US" altLang="zh-CN" dirty="0"/>
+              <a:t>&gt; </a:t>
+            </a:r>
+            <a:r>
+              <a:rPr lang="en-US" altLang="zh-CN" dirty="0" err="1"/>
+              <a:t>openlist</a:t>
+            </a:r>
+            <a:r>
+              <a:rPr lang="en-US" altLang="zh-CN" dirty="0"/>
+              <a:t>;</a:t>
+            </a:r>
+          </a:p>
+          <a:p>
+            <a:r>
+              <a:rPr lang="en-US" altLang="zh-CN" dirty="0" err="1"/>
+              <a:t>std</a:t>
+            </a:r>
+            <a:r>
+              <a:rPr lang="en-US" altLang="zh-CN" dirty="0"/>
+              <a:t>::vector&lt;</a:t>
+            </a:r>
+            <a:r>
+              <a:rPr lang="en-US" altLang="zh-CN" dirty="0" err="1"/>
+              <a:t>GameObject</a:t>
+            </a:r>
+            <a:r>
+              <a:rPr lang="en-US" altLang="zh-CN" dirty="0"/>
+              <a:t>&gt; </a:t>
+            </a:r>
+            <a:r>
+              <a:rPr lang="en-US" altLang="zh-CN" dirty="0" err="1"/>
+              <a:t>closedlist</a:t>
+            </a:r>
+            <a:r>
+              <a:rPr lang="en-US" altLang="zh-CN" dirty="0"/>
+              <a:t>;</a:t>
+            </a:r>
+          </a:p>
+          <a:p>
+            <a:r>
+              <a:rPr lang="en-US" altLang="zh-CN" dirty="0" err="1"/>
+              <a:t>std</a:t>
+            </a:r>
+            <a:r>
+              <a:rPr lang="en-US" altLang="zh-CN" dirty="0"/>
+              <a:t>::vector&lt;</a:t>
+            </a:r>
+            <a:r>
+              <a:rPr lang="en-US" altLang="zh-CN" dirty="0" err="1"/>
+              <a:t>GameObject</a:t>
+            </a:r>
+            <a:r>
+              <a:rPr lang="en-US" altLang="zh-CN" dirty="0"/>
+              <a:t>&gt; path;</a:t>
+            </a:r>
+          </a:p>
+          <a:p>
+            <a:r>
+              <a:rPr lang="en-US" altLang="zh-CN" dirty="0" err="1"/>
+              <a:t>GLint</a:t>
+            </a:r>
+            <a:r>
+              <a:rPr lang="en-US" altLang="zh-CN" dirty="0"/>
+              <a:t> </a:t>
+            </a:r>
+            <a:r>
+              <a:rPr lang="en-US" altLang="zh-CN" dirty="0" err="1"/>
+              <a:t>FindingPathValue</a:t>
+            </a:r>
+            <a:r>
+              <a:rPr lang="en-US" altLang="zh-CN" dirty="0"/>
+              <a:t>;</a:t>
+            </a:r>
+          </a:p>
+          <a:p>
+            <a:r>
+              <a:rPr lang="en-US" altLang="zh-CN" dirty="0" err="1"/>
+              <a:t>GLvoid</a:t>
+            </a:r>
+            <a:r>
+              <a:rPr lang="en-US" altLang="zh-CN" dirty="0"/>
+              <a:t> </a:t>
+            </a:r>
+            <a:r>
+              <a:rPr lang="en-US" altLang="zh-CN" dirty="0" err="1"/>
+              <a:t>Init</a:t>
+            </a:r>
+            <a:r>
+              <a:rPr lang="en-US" altLang="zh-CN" dirty="0"/>
+              <a:t>(</a:t>
+            </a:r>
+            <a:r>
+              <a:rPr lang="en-US" altLang="zh-CN" dirty="0" err="1"/>
+              <a:t>std</a:t>
+            </a:r>
+            <a:r>
+              <a:rPr lang="en-US" altLang="zh-CN" dirty="0"/>
+              <a:t>::vector&lt;</a:t>
+            </a:r>
+            <a:r>
+              <a:rPr lang="en-US" altLang="zh-CN" dirty="0" err="1"/>
+              <a:t>GameObject</a:t>
+            </a:r>
+            <a:r>
+              <a:rPr lang="en-US" altLang="zh-CN" dirty="0"/>
+              <a:t>&gt;);</a:t>
+            </a:r>
+          </a:p>
+          <a:p>
+            <a:r>
+              <a:rPr lang="en-US" altLang="zh-CN" dirty="0" err="1"/>
+              <a:t>std</a:t>
+            </a:r>
+            <a:r>
+              <a:rPr lang="en-US" altLang="zh-CN" dirty="0"/>
+              <a:t>::vector&lt;</a:t>
+            </a:r>
+            <a:r>
+              <a:rPr lang="en-US" altLang="zh-CN" dirty="0" err="1"/>
+              <a:t>GameObject</a:t>
+            </a:r>
+            <a:r>
+              <a:rPr lang="en-US" altLang="zh-CN" dirty="0"/>
+              <a:t>&gt; </a:t>
+            </a:r>
+            <a:r>
+              <a:rPr lang="en-US" altLang="zh-CN" dirty="0" err="1"/>
+              <a:t>FindingWay</a:t>
+            </a:r>
+            <a:r>
+              <a:rPr lang="en-US" altLang="zh-CN" dirty="0"/>
+              <a:t>(</a:t>
+            </a:r>
+            <a:r>
+              <a:rPr lang="en-US" altLang="zh-CN" dirty="0" err="1"/>
+              <a:t>GameObject</a:t>
+            </a:r>
+            <a:r>
+              <a:rPr lang="en-US" altLang="zh-CN" dirty="0"/>
+              <a:t> goal, </a:t>
+            </a:r>
+            <a:r>
+              <a:rPr lang="en-US" altLang="zh-CN" dirty="0" err="1"/>
+              <a:t>GameObject</a:t>
+            </a:r>
+            <a:r>
+              <a:rPr lang="en-US" altLang="zh-CN" dirty="0"/>
+              <a:t> </a:t>
+            </a:r>
+            <a:r>
+              <a:rPr lang="en-US" altLang="zh-CN" dirty="0" err="1"/>
+              <a:t>nowStay</a:t>
+            </a:r>
+            <a:r>
+              <a:rPr lang="en-US" altLang="zh-CN" dirty="0"/>
+              <a:t>);</a:t>
+            </a:r>
+          </a:p>
+          <a:p>
+            <a:r>
+              <a:rPr lang="en-US" altLang="zh-CN" dirty="0"/>
+              <a:t>private:</a:t>
+            </a:r>
+          </a:p>
+          <a:p>
+            <a:r>
+              <a:rPr lang="en-US" altLang="zh-CN" dirty="0" err="1"/>
+              <a:t>std</a:t>
+            </a:r>
+            <a:r>
+              <a:rPr lang="en-US" altLang="zh-CN" dirty="0"/>
+              <a:t>::vector&lt;</a:t>
+            </a:r>
+            <a:r>
+              <a:rPr lang="en-US" altLang="zh-CN" dirty="0" err="1"/>
+              <a:t>GameObject</a:t>
+            </a:r>
+            <a:r>
+              <a:rPr lang="en-US" altLang="zh-CN" dirty="0"/>
+              <a:t>&gt; stays;</a:t>
+            </a:r>
+          </a:p>
+          <a:p>
+            <a:r>
+              <a:rPr lang="en-US" altLang="zh-CN" dirty="0" err="1"/>
+              <a:t>GLboolean</a:t>
+            </a:r>
+            <a:r>
+              <a:rPr lang="en-US" altLang="zh-CN" dirty="0"/>
+              <a:t> </a:t>
+            </a:r>
+            <a:r>
+              <a:rPr lang="en-US" altLang="zh-CN" dirty="0" err="1"/>
+              <a:t>FindingNBH</a:t>
+            </a:r>
+            <a:r>
+              <a:rPr lang="en-US" altLang="zh-CN" dirty="0"/>
+              <a:t>(</a:t>
+            </a:r>
+            <a:r>
+              <a:rPr lang="en-US" altLang="zh-CN" dirty="0" err="1"/>
+              <a:t>GameObject</a:t>
+            </a:r>
+            <a:r>
+              <a:rPr lang="en-US" altLang="zh-CN" dirty="0"/>
+              <a:t> now, </a:t>
+            </a:r>
+            <a:r>
+              <a:rPr lang="en-US" altLang="zh-CN" dirty="0" err="1"/>
+              <a:t>GameObject</a:t>
+            </a:r>
+            <a:r>
+              <a:rPr lang="en-US" altLang="zh-CN" dirty="0"/>
+              <a:t> goal);</a:t>
+            </a:r>
+          </a:p>
+          <a:p>
+            <a:r>
+              <a:rPr lang="en-US" altLang="zh-CN" dirty="0" err="1"/>
+              <a:t>GLvoid</a:t>
+            </a:r>
+            <a:r>
+              <a:rPr lang="en-US" altLang="zh-CN" dirty="0"/>
+              <a:t> </a:t>
+            </a:r>
+            <a:r>
+              <a:rPr lang="en-US" altLang="zh-CN" dirty="0" err="1"/>
+              <a:t>PrintfPath</a:t>
+            </a:r>
+            <a:r>
+              <a:rPr lang="en-US" altLang="zh-CN" dirty="0"/>
+              <a:t>(</a:t>
+            </a:r>
+            <a:r>
+              <a:rPr lang="en-US" altLang="zh-CN" dirty="0" err="1"/>
+              <a:t>GameObject</a:t>
+            </a:r>
+            <a:r>
+              <a:rPr lang="en-US" altLang="zh-CN" dirty="0"/>
+              <a:t> goal);</a:t>
+            </a:r>
+          </a:p>
+          <a:p>
+            <a:r>
+              <a:rPr lang="en-US" altLang="zh-CN" dirty="0" err="1"/>
+              <a:t>GLboolean</a:t>
+            </a:r>
+            <a:r>
+              <a:rPr lang="en-US" altLang="zh-CN" dirty="0"/>
+              <a:t> </a:t>
+            </a:r>
+            <a:r>
+              <a:rPr lang="en-US" altLang="zh-CN" dirty="0" err="1"/>
+              <a:t>checkIfNear</a:t>
+            </a:r>
+            <a:r>
+              <a:rPr lang="en-US" altLang="zh-CN" dirty="0"/>
+              <a:t>(</a:t>
+            </a:r>
+            <a:r>
+              <a:rPr lang="en-US" altLang="zh-CN" dirty="0" err="1"/>
+              <a:t>GameObject</a:t>
+            </a:r>
+            <a:r>
+              <a:rPr lang="en-US" altLang="zh-CN" dirty="0"/>
+              <a:t> one, </a:t>
+            </a:r>
+            <a:r>
+              <a:rPr lang="en-US" altLang="zh-CN" dirty="0" err="1"/>
+              <a:t>GameObject</a:t>
+            </a:r>
+            <a:r>
+              <a:rPr lang="en-US" altLang="zh-CN" dirty="0"/>
+              <a:t> two);</a:t>
+            </a:r>
           </a:p>
           <a:p>
             <a:r>
@@ -35870,7 +36302,7 @@
         </p:nvSpPr>
         <p:spPr>
           <a:xfrm>
-            <a:off x="3666477" y="195309"/>
+            <a:off x="2361282" y="373172"/>
             <a:ext cx="3435658" cy="646331"/>
           </a:xfrm>
           <a:prstGeom prst="rect">
@@ -41262,6 +41694,24 @@
           <a:p>
             <a:r>
               <a:rPr lang="en-US" altLang="zh-CN" dirty="0" err="1"/>
+              <a:t>FindingPath</a:t>
+            </a:r>
+            <a:r>
+              <a:rPr lang="en-US" altLang="zh-CN" dirty="0"/>
+              <a:t> </a:t>
+            </a:r>
+            <a:r>
+              <a:rPr lang="en-US" altLang="zh-CN" dirty="0" err="1"/>
+              <a:t>findingPath</a:t>
+            </a:r>
+            <a:r>
+              <a:rPr lang="en-US" altLang="zh-CN" dirty="0"/>
+              <a:t>;</a:t>
+            </a:r>
+          </a:p>
+          <a:p>
+            <a:r>
+              <a:rPr lang="en-US" altLang="zh-CN" dirty="0" err="1"/>
               <a:t>std</a:t>
             </a:r>
             <a:r>
@@ -41647,7 +42097,7 @@
         </p:nvSpPr>
         <p:spPr>
           <a:xfrm>
-            <a:off x="8345010" y="2689934"/>
+            <a:off x="7235301" y="1260629"/>
             <a:ext cx="2201662" cy="1624614"/>
           </a:xfrm>
           <a:prstGeom prst="rect">
@@ -41690,6 +42140,116 @@
           </a:p>
         </p:txBody>
       </p:sp>
+      <p:pic>
+        <p:nvPicPr>
+          <p:cNvPr id="7" name="Picture 6">
+            <a:extLst>
+              <a:ext uri="{FF2B5EF4-FFF2-40B4-BE49-F238E27FC236}">
+                <a16:creationId xmlns:a16="http://schemas.microsoft.com/office/drawing/2014/main" id="{F0DB989D-F669-4446-9750-57B390356620}"/>
+              </a:ext>
+            </a:extLst>
+          </p:cNvPr>
+          <p:cNvPicPr>
+            <a:picLocks noChangeAspect="1"/>
+          </p:cNvPicPr>
+          <p:nvPr/>
+        </p:nvPicPr>
+        <p:blipFill>
+          <a:blip r:embed="rId3"/>
+          <a:stretch>
+            <a:fillRect/>
+          </a:stretch>
+        </p:blipFill>
+        <p:spPr>
+          <a:xfrm>
+            <a:off x="7123011" y="2954117"/>
+            <a:ext cx="4773068" cy="1236143"/>
+          </a:xfrm>
+          <a:prstGeom prst="rect">
+            <a:avLst/>
+          </a:prstGeom>
+        </p:spPr>
+      </p:pic>
+      <p:sp>
+        <p:nvSpPr>
+          <p:cNvPr id="8" name="Rectangle 7">
+            <a:extLst>
+              <a:ext uri="{FF2B5EF4-FFF2-40B4-BE49-F238E27FC236}">
+                <a16:creationId xmlns:a16="http://schemas.microsoft.com/office/drawing/2014/main" id="{6E97B879-B7DD-40B5-B3C2-FDC3987DE455}"/>
+              </a:ext>
+            </a:extLst>
+          </p:cNvPr>
+          <p:cNvSpPr/>
+          <p:nvPr/>
+        </p:nvSpPr>
+        <p:spPr>
+          <a:xfrm>
+            <a:off x="9809910" y="2384207"/>
+            <a:ext cx="2380503" cy="501036"/>
+          </a:xfrm>
+          <a:prstGeom prst="rect">
+            <a:avLst/>
+          </a:prstGeom>
+        </p:spPr>
+        <p:style>
+          <a:lnRef idx="2">
+            <a:schemeClr val="accent1">
+              <a:shade val="50000"/>
+            </a:schemeClr>
+          </a:lnRef>
+          <a:fillRef idx="1">
+            <a:schemeClr val="accent1"/>
+          </a:fillRef>
+          <a:effectRef idx="0">
+            <a:schemeClr val="accent1"/>
+          </a:effectRef>
+          <a:fontRef idx="minor">
+            <a:schemeClr val="lt1"/>
+          </a:fontRef>
+        </p:style>
+        <p:txBody>
+          <a:bodyPr rtlCol="0" anchor="ctr"/>
+          <a:lstStyle/>
+          <a:p>
+            <a:pPr algn="ctr"/>
+            <a:r>
+              <a:rPr lang="en-US" altLang="zh-CN" dirty="0"/>
+              <a:t>multiple threads</a:t>
+            </a:r>
+            <a:endParaRPr lang="zh-CN" altLang="en-US" dirty="0"/>
+          </a:p>
+        </p:txBody>
+      </p:sp>
+      <p:pic>
+        <p:nvPicPr>
+          <p:cNvPr id="9" name="Picture 8">
+            <a:extLst>
+              <a:ext uri="{FF2B5EF4-FFF2-40B4-BE49-F238E27FC236}">
+                <a16:creationId xmlns:a16="http://schemas.microsoft.com/office/drawing/2014/main" id="{40B8C457-0B68-4D39-A4C8-8DACFCCF75FF}"/>
+              </a:ext>
+            </a:extLst>
+          </p:cNvPr>
+          <p:cNvPicPr>
+            <a:picLocks noChangeAspect="1"/>
+          </p:cNvPicPr>
+          <p:nvPr/>
+        </p:nvPicPr>
+        <p:blipFill>
+          <a:blip r:embed="rId4"/>
+          <a:stretch>
+            <a:fillRect/>
+          </a:stretch>
+        </p:blipFill>
+        <p:spPr>
+          <a:xfrm>
+            <a:off x="7123011" y="4259134"/>
+            <a:ext cx="4453471" cy="2462351"/>
+          </a:xfrm>
+          <a:prstGeom prst="rect">
+            <a:avLst/>
+          </a:prstGeom>
+        </p:spPr>
+      </p:pic>
     </p:spTree>
     <p:extLst>
       <p:ext uri="{BB962C8B-B14F-4D97-AF65-F5344CB8AC3E}">
@@ -41981,6 +42541,102 @@
           </a:prstGeom>
         </p:spPr>
       </p:pic>
+      <p:sp>
+        <p:nvSpPr>
+          <p:cNvPr id="6" name="Arrow: Down 5">
+            <a:extLst>
+              <a:ext uri="{FF2B5EF4-FFF2-40B4-BE49-F238E27FC236}">
+                <a16:creationId xmlns:a16="http://schemas.microsoft.com/office/drawing/2014/main" id="{07803313-D1C5-47A3-A604-2857626B8E0B}"/>
+              </a:ext>
+            </a:extLst>
+          </p:cNvPr>
+          <p:cNvSpPr/>
+          <p:nvPr/>
+        </p:nvSpPr>
+        <p:spPr>
+          <a:xfrm>
+            <a:off x="3763033" y="832243"/>
+            <a:ext cx="870012" cy="1555850"/>
+          </a:xfrm>
+          <a:prstGeom prst="downArrow">
+            <a:avLst/>
+          </a:prstGeom>
+        </p:spPr>
+        <p:style>
+          <a:lnRef idx="2">
+            <a:schemeClr val="accent1">
+              <a:shade val="50000"/>
+            </a:schemeClr>
+          </a:lnRef>
+          <a:fillRef idx="1">
+            <a:schemeClr val="accent1"/>
+          </a:fillRef>
+          <a:effectRef idx="0">
+            <a:schemeClr val="accent1"/>
+          </a:effectRef>
+          <a:fontRef idx="minor">
+            <a:schemeClr val="lt1"/>
+          </a:fontRef>
+        </p:style>
+        <p:txBody>
+          <a:bodyPr rtlCol="0" anchor="ctr"/>
+          <a:lstStyle/>
+          <a:p>
+            <a:pPr algn="ctr"/>
+            <a:endParaRPr lang="zh-CN" altLang="en-US"/>
+          </a:p>
+        </p:txBody>
+      </p:sp>
+      <p:sp>
+        <p:nvSpPr>
+          <p:cNvPr id="8" name="Rectangle 7">
+            <a:extLst>
+              <a:ext uri="{FF2B5EF4-FFF2-40B4-BE49-F238E27FC236}">
+                <a16:creationId xmlns:a16="http://schemas.microsoft.com/office/drawing/2014/main" id="{AF2B00C1-1649-45DA-AFEE-1789835666AE}"/>
+              </a:ext>
+            </a:extLst>
+          </p:cNvPr>
+          <p:cNvSpPr/>
+          <p:nvPr/>
+        </p:nvSpPr>
+        <p:spPr>
+          <a:xfrm>
+            <a:off x="4048217" y="218055"/>
+            <a:ext cx="3036164" cy="501036"/>
+          </a:xfrm>
+          <a:prstGeom prst="rect">
+            <a:avLst/>
+          </a:prstGeom>
+        </p:spPr>
+        <p:style>
+          <a:lnRef idx="2">
+            <a:schemeClr val="accent1">
+              <a:shade val="50000"/>
+            </a:schemeClr>
+          </a:lnRef>
+          <a:fillRef idx="1">
+            <a:schemeClr val="accent1"/>
+          </a:fillRef>
+          <a:effectRef idx="0">
+            <a:schemeClr val="accent1"/>
+          </a:effectRef>
+          <a:fontRef idx="minor">
+            <a:schemeClr val="lt1"/>
+          </a:fontRef>
+        </p:style>
+        <p:txBody>
+          <a:bodyPr rtlCol="0" anchor="ctr"/>
+          <a:lstStyle/>
+          <a:p>
+            <a:pPr algn="ctr"/>
+            <a:r>
+              <a:rPr lang="en-US" altLang="zh-CN" dirty="0"/>
+              <a:t>Here it uses multiple threads</a:t>
+            </a:r>
+            <a:endParaRPr lang="zh-CN" altLang="en-US" dirty="0"/>
+          </a:p>
+        </p:txBody>
+      </p:sp>
     </p:spTree>
     <p:extLst>
       <p:ext uri="{BB962C8B-B14F-4D97-AF65-F5344CB8AC3E}">
@@ -45822,7 +46478,7 @@
         <p:spPr>
           <a:xfrm>
             <a:off x="8421364" y="4336816"/>
-            <a:ext cx="3214378" cy="1300356"/>
+            <a:ext cx="3214378" cy="1915909"/>
           </a:xfrm>
           <a:prstGeom prst="rect">
             <a:avLst/>
@@ -45857,21 +46513,21 @@
                 <a:latin typeface="微软雅黑" panose="020B0503020204020204" pitchFamily="34" charset="-122"/>
                 <a:ea typeface="微软雅黑" panose="020B0503020204020204" pitchFamily="34" charset="-122"/>
               </a:rPr>
-              <a:t>Create a walking </a:t>
+              <a:t>Create a walking NPC who can eat stars and shoot. And use multiple threads to improve the </a:t>
             </a:r>
             <a:r>
               <a:rPr lang="en-US" altLang="zh-CN" sz="2000" dirty="0" err="1">
                 <a:latin typeface="微软雅黑" panose="020B0503020204020204" pitchFamily="34" charset="-122"/>
                 <a:ea typeface="微软雅黑" panose="020B0503020204020204" pitchFamily="34" charset="-122"/>
               </a:rPr>
-              <a:t>npc</a:t>
+              <a:t>prefromance</a:t>
             </a:r>
             <a:r>
               <a:rPr lang="en-US" altLang="zh-CN" sz="2000" dirty="0">
                 <a:latin typeface="微软雅黑" panose="020B0503020204020204" pitchFamily="34" charset="-122"/>
                 <a:ea typeface="微软雅黑" panose="020B0503020204020204" pitchFamily="34" charset="-122"/>
               </a:rPr>
-              <a:t> who can eat stars and shoot.</a:t>
+              <a:t>.</a:t>
             </a:r>
             <a:endParaRPr lang="en-GB" altLang="zh-CN" sz="2000" dirty="0">
               <a:latin typeface="微软雅黑" panose="020B0503020204020204" pitchFamily="34" charset="-122"/>

--- a/Group 8 ArcherBattle.pptx
+++ b/Group 8 ArcherBattle.pptx
@@ -15,7 +15,7 @@
     <p:sldMasterId id="2147483692" r:id="rId11"/>
   </p:sldMasterIdLst>
   <p:notesMasterIdLst>
-    <p:notesMasterId r:id="rId38"/>
+    <p:notesMasterId r:id="rId39"/>
   </p:notesMasterIdLst>
   <p:sldIdLst>
     <p:sldId id="386" r:id="rId12"/>
@@ -32,18 +32,19 @@
     <p:sldId id="411" r:id="rId23"/>
     <p:sldId id="410" r:id="rId24"/>
     <p:sldId id="415" r:id="rId25"/>
-    <p:sldId id="397" r:id="rId26"/>
-    <p:sldId id="412" r:id="rId27"/>
-    <p:sldId id="421" r:id="rId28"/>
-    <p:sldId id="422" r:id="rId29"/>
-    <p:sldId id="423" r:id="rId30"/>
-    <p:sldId id="420" r:id="rId31"/>
-    <p:sldId id="424" r:id="rId32"/>
-    <p:sldId id="425" r:id="rId33"/>
-    <p:sldId id="426" r:id="rId34"/>
-    <p:sldId id="399" r:id="rId35"/>
-    <p:sldId id="416" r:id="rId36"/>
-    <p:sldId id="401" r:id="rId37"/>
+    <p:sldId id="428" r:id="rId26"/>
+    <p:sldId id="397" r:id="rId27"/>
+    <p:sldId id="412" r:id="rId28"/>
+    <p:sldId id="421" r:id="rId29"/>
+    <p:sldId id="422" r:id="rId30"/>
+    <p:sldId id="423" r:id="rId31"/>
+    <p:sldId id="420" r:id="rId32"/>
+    <p:sldId id="424" r:id="rId33"/>
+    <p:sldId id="425" r:id="rId34"/>
+    <p:sldId id="426" r:id="rId35"/>
+    <p:sldId id="399" r:id="rId36"/>
+    <p:sldId id="416" r:id="rId37"/>
+    <p:sldId id="401" r:id="rId38"/>
   </p:sldIdLst>
   <p:sldSz cx="12190413" cy="6859588"/>
   <p:notesSz cx="6858000" cy="9144000"/>
@@ -35573,7 +35574,7 @@
             <a:pPr algn="ctr"/>
             <a:r>
               <a:rPr lang="en-US" altLang="zh-CN" dirty="0"/>
-              <a:t>Class for Board First Search</a:t>
+              <a:t>Class for Breadth First Search</a:t>
             </a:r>
           </a:p>
         </p:txBody>
@@ -36480,6 +36481,307 @@
 </file>
 
 <file path=ppt/slides/slide15.xml><?xml version="1.0" encoding="utf-8"?>
+<p:sld xmlns:a="http://schemas.openxmlformats.org/drawingml/2006/main" xmlns:r="http://schemas.openxmlformats.org/officeDocument/2006/relationships" xmlns:p="http://schemas.openxmlformats.org/presentationml/2006/main">
+  <p:cSld>
+    <p:spTree>
+      <p:nvGrpSpPr>
+        <p:cNvPr id="1" name=""/>
+        <p:cNvGrpSpPr/>
+        <p:nvPr/>
+      </p:nvGrpSpPr>
+      <p:grpSpPr>
+        <a:xfrm>
+          <a:off x="0" y="0"/>
+          <a:ext cx="0" cy="0"/>
+          <a:chOff x="0" y="0"/>
+          <a:chExt cx="0" cy="0"/>
+        </a:xfrm>
+      </p:grpSpPr>
+      <p:sp>
+        <p:nvSpPr>
+          <p:cNvPr id="3" name="TextBox 2">
+            <a:extLst>
+              <a:ext uri="{FF2B5EF4-FFF2-40B4-BE49-F238E27FC236}">
+                <a16:creationId xmlns:a16="http://schemas.microsoft.com/office/drawing/2014/main" id="{C7372D79-1D23-4F0E-A822-6D154DEBF15A}"/>
+              </a:ext>
+            </a:extLst>
+          </p:cNvPr>
+          <p:cNvSpPr txBox="1"/>
+          <p:nvPr/>
+        </p:nvSpPr>
+        <p:spPr>
+          <a:xfrm>
+            <a:off x="1706880" y="529247"/>
+            <a:ext cx="2549934" cy="646331"/>
+          </a:xfrm>
+          <a:prstGeom prst="rect">
+            <a:avLst/>
+          </a:prstGeom>
+          <a:noFill/>
+        </p:spPr>
+        <p:txBody>
+          <a:bodyPr wrap="square" rtlCol="0">
+            <a:spAutoFit/>
+          </a:bodyPr>
+          <a:lstStyle/>
+          <a:p>
+            <a:r>
+              <a:rPr lang="en-US" altLang="zh-CN" dirty="0"/>
+              <a:t>Over all the flowchart of this function.</a:t>
+            </a:r>
+            <a:endParaRPr lang="zh-CN" altLang="en-US" dirty="0"/>
+          </a:p>
+        </p:txBody>
+      </p:sp>
+      <p:sp>
+        <p:nvSpPr>
+          <p:cNvPr id="4" name="文本框 16">
+            <a:extLst>
+              <a:ext uri="{FF2B5EF4-FFF2-40B4-BE49-F238E27FC236}">
+                <a16:creationId xmlns:a16="http://schemas.microsoft.com/office/drawing/2014/main" id="{578237B2-9081-459E-984F-97F10D6B7A24}"/>
+              </a:ext>
+            </a:extLst>
+          </p:cNvPr>
+          <p:cNvSpPr txBox="1"/>
+          <p:nvPr/>
+        </p:nvSpPr>
+        <p:spPr>
+          <a:xfrm>
+            <a:off x="9887001" y="252248"/>
+            <a:ext cx="1875911" cy="923330"/>
+          </a:xfrm>
+          <a:prstGeom prst="rect">
+            <a:avLst/>
+          </a:prstGeom>
+          <a:noFill/>
+        </p:spPr>
+        <p:txBody>
+          <a:bodyPr wrap="square" rtlCol="0">
+            <a:spAutoFit/>
+          </a:bodyPr>
+          <a:lstStyle/>
+          <a:p>
+            <a:r>
+              <a:rPr lang="en-US" altLang="zh-CN" dirty="0"/>
+              <a:t>NPC</a:t>
+            </a:r>
+          </a:p>
+          <a:p>
+            <a:r>
+              <a:rPr lang="en-US" altLang="zh-CN" dirty="0"/>
+              <a:t>Running along the way</a:t>
+            </a:r>
+            <a:endParaRPr lang="zh-CN" altLang="en-US" dirty="0"/>
+          </a:p>
+        </p:txBody>
+      </p:sp>
+      <p:sp>
+        <p:nvSpPr>
+          <p:cNvPr id="5" name="矩形 45">
+            <a:extLst>
+              <a:ext uri="{FF2B5EF4-FFF2-40B4-BE49-F238E27FC236}">
+                <a16:creationId xmlns:a16="http://schemas.microsoft.com/office/drawing/2014/main" id="{97A6E3D5-24C8-4ECD-9845-C6851DAB80F7}"/>
+              </a:ext>
+            </a:extLst>
+          </p:cNvPr>
+          <p:cNvSpPr/>
+          <p:nvPr/>
+        </p:nvSpPr>
+        <p:spPr>
+          <a:xfrm>
+            <a:off x="325821" y="252248"/>
+            <a:ext cx="1381059" cy="767255"/>
+          </a:xfrm>
+          <a:prstGeom prst="rect">
+            <a:avLst/>
+          </a:prstGeom>
+          <a:noFill/>
+          <a:ln>
+            <a:solidFill>
+              <a:srgbClr val="00B0F0"/>
+            </a:solidFill>
+          </a:ln>
+        </p:spPr>
+        <p:style>
+          <a:lnRef idx="2">
+            <a:schemeClr val="accent1">
+              <a:shade val="50000"/>
+            </a:schemeClr>
+          </a:lnRef>
+          <a:fillRef idx="1">
+            <a:schemeClr val="accent1"/>
+          </a:fillRef>
+          <a:effectRef idx="0">
+            <a:schemeClr val="accent1"/>
+          </a:effectRef>
+          <a:fontRef idx="minor">
+            <a:schemeClr val="lt1"/>
+          </a:fontRef>
+        </p:style>
+        <p:txBody>
+          <a:bodyPr rtlCol="0" anchor="ctr"/>
+          <a:lstStyle/>
+          <a:p>
+            <a:pPr algn="ctr"/>
+            <a:r>
+              <a:rPr lang="en-US" altLang="zh-CN" sz="3200" dirty="0">
+                <a:solidFill>
+                  <a:srgbClr val="00B0F0"/>
+                </a:solidFill>
+              </a:rPr>
+              <a:t>Design</a:t>
+            </a:r>
+            <a:endParaRPr lang="zh-CN" altLang="en-US" sz="3200" dirty="0">
+              <a:solidFill>
+                <a:srgbClr val="00B0F0"/>
+              </a:solidFill>
+            </a:endParaRPr>
+          </a:p>
+        </p:txBody>
+      </p:sp>
+      <p:pic>
+        <p:nvPicPr>
+          <p:cNvPr id="7" name="Picture 6">
+            <a:extLst>
+              <a:ext uri="{FF2B5EF4-FFF2-40B4-BE49-F238E27FC236}">
+                <a16:creationId xmlns:a16="http://schemas.microsoft.com/office/drawing/2014/main" id="{1B43A867-6F52-44AD-8C6E-07716FB34E30}"/>
+              </a:ext>
+            </a:extLst>
+          </p:cNvPr>
+          <p:cNvPicPr>
+            <a:picLocks noChangeAspect="1"/>
+          </p:cNvPicPr>
+          <p:nvPr/>
+        </p:nvPicPr>
+        <p:blipFill>
+          <a:blip r:embed="rId2">
+            <a:extLst>
+              <a:ext uri="{28A0092B-C50C-407E-A947-70E740481C1C}">
+                <a14:useLocalDpi xmlns:a14="http://schemas.microsoft.com/office/drawing/2010/main" val="0"/>
+              </a:ext>
+            </a:extLst>
+          </a:blip>
+          <a:stretch>
+            <a:fillRect/>
+          </a:stretch>
+        </p:blipFill>
+        <p:spPr>
+          <a:xfrm>
+            <a:off x="1" y="1346173"/>
+            <a:ext cx="3666478" cy="5232180"/>
+          </a:xfrm>
+          <a:prstGeom prst="rect">
+            <a:avLst/>
+          </a:prstGeom>
+        </p:spPr>
+      </p:pic>
+      <p:sp>
+        <p:nvSpPr>
+          <p:cNvPr id="2" name="Rectangle 1">
+            <a:extLst>
+              <a:ext uri="{FF2B5EF4-FFF2-40B4-BE49-F238E27FC236}">
+                <a16:creationId xmlns:a16="http://schemas.microsoft.com/office/drawing/2014/main" id="{63C60DA1-C21A-4446-A41C-83CB9B1408CE}"/>
+              </a:ext>
+            </a:extLst>
+          </p:cNvPr>
+          <p:cNvSpPr/>
+          <p:nvPr/>
+        </p:nvSpPr>
+        <p:spPr>
+          <a:xfrm>
+            <a:off x="8572125" y="3063106"/>
+            <a:ext cx="3426781" cy="1083076"/>
+          </a:xfrm>
+          <a:prstGeom prst="rect">
+            <a:avLst/>
+          </a:prstGeom>
+        </p:spPr>
+        <p:style>
+          <a:lnRef idx="2">
+            <a:schemeClr val="accent1">
+              <a:shade val="50000"/>
+            </a:schemeClr>
+          </a:lnRef>
+          <a:fillRef idx="1">
+            <a:schemeClr val="accent1"/>
+          </a:fillRef>
+          <a:effectRef idx="0">
+            <a:schemeClr val="accent1"/>
+          </a:effectRef>
+          <a:fontRef idx="minor">
+            <a:schemeClr val="lt1"/>
+          </a:fontRef>
+        </p:style>
+        <p:txBody>
+          <a:bodyPr rtlCol="0" anchor="ctr"/>
+          <a:lstStyle/>
+          <a:p>
+            <a:pPr algn="ctr"/>
+            <a:r>
+              <a:rPr lang="en-US" altLang="zh-CN" dirty="0"/>
+              <a:t>Need to create a new thread to improve the performance while Breadth First Search</a:t>
+            </a:r>
+          </a:p>
+          <a:p>
+            <a:pPr algn="ctr"/>
+            <a:r>
+              <a:rPr lang="en-US" altLang="zh-CN" dirty="0"/>
+              <a:t>The function that thread calls:</a:t>
+            </a:r>
+            <a:endParaRPr lang="zh-CN" altLang="en-US" dirty="0"/>
+          </a:p>
+        </p:txBody>
+      </p:sp>
+      <p:pic>
+        <p:nvPicPr>
+          <p:cNvPr id="8" name="Picture 7">
+            <a:extLst>
+              <a:ext uri="{FF2B5EF4-FFF2-40B4-BE49-F238E27FC236}">
+                <a16:creationId xmlns:a16="http://schemas.microsoft.com/office/drawing/2014/main" id="{22F8121B-3C7A-461B-BF6C-0F06752D55E3}"/>
+              </a:ext>
+            </a:extLst>
+          </p:cNvPr>
+          <p:cNvPicPr>
+            <a:picLocks noChangeAspect="1"/>
+          </p:cNvPicPr>
+          <p:nvPr/>
+        </p:nvPicPr>
+        <p:blipFill>
+          <a:blip r:embed="rId3">
+            <a:extLst>
+              <a:ext uri="{28A0092B-C50C-407E-A947-70E740481C1C}">
+                <a14:useLocalDpi xmlns:a14="http://schemas.microsoft.com/office/drawing/2010/main" val="0"/>
+              </a:ext>
+            </a:extLst>
+          </a:blip>
+          <a:stretch>
+            <a:fillRect/>
+          </a:stretch>
+        </p:blipFill>
+        <p:spPr>
+          <a:xfrm>
+            <a:off x="4320881" y="0"/>
+            <a:ext cx="3852633" cy="6859588"/>
+          </a:xfrm>
+          <a:prstGeom prst="rect">
+            <a:avLst/>
+          </a:prstGeom>
+        </p:spPr>
+      </p:pic>
+    </p:spTree>
+    <p:extLst>
+      <p:ext uri="{BB962C8B-B14F-4D97-AF65-F5344CB8AC3E}">
+        <p14:creationId xmlns:p14="http://schemas.microsoft.com/office/powerpoint/2010/main" val="2088282984"/>
+      </p:ext>
+    </p:extLst>
+  </p:cSld>
+  <p:clrMapOvr>
+    <a:masterClrMapping/>
+  </p:clrMapOvr>
+</p:sld>
+</file>
+
+<file path=ppt/slides/slide16.xml><?xml version="1.0" encoding="utf-8"?>
 <p:sld xmlns:a="http://schemas.openxmlformats.org/drawingml/2006/main" xmlns:r="http://schemas.openxmlformats.org/officeDocument/2006/relationships" xmlns:p="http://schemas.openxmlformats.org/presentationml/2006/main">
   <p:cSld>
     <p:spTree>
@@ -37076,526 +37378,6 @@
 </p:sld>
 </file>
 
-<file path=ppt/slides/slide16.xml><?xml version="1.0" encoding="utf-8"?>
-<p:sld xmlns:a="http://schemas.openxmlformats.org/drawingml/2006/main" xmlns:r="http://schemas.openxmlformats.org/officeDocument/2006/relationships" xmlns:p="http://schemas.openxmlformats.org/presentationml/2006/main">
-  <p:cSld>
-    <p:spTree>
-      <p:nvGrpSpPr>
-        <p:cNvPr id="1" name=""/>
-        <p:cNvGrpSpPr/>
-        <p:nvPr/>
-      </p:nvGrpSpPr>
-      <p:grpSpPr>
-        <a:xfrm>
-          <a:off x="0" y="0"/>
-          <a:ext cx="0" cy="0"/>
-          <a:chOff x="0" y="0"/>
-          <a:chExt cx="0" cy="0"/>
-        </a:xfrm>
-      </p:grpSpPr>
-      <p:pic>
-        <p:nvPicPr>
-          <p:cNvPr id="2" name="图片 1">
-            <a:extLst>
-              <a:ext uri="{FF2B5EF4-FFF2-40B4-BE49-F238E27FC236}">
-                <a16:creationId xmlns:a16="http://schemas.microsoft.com/office/drawing/2014/main" id="{0AA42593-3652-4D80-ACF1-8DA6D6DF94C3}"/>
-              </a:ext>
-            </a:extLst>
-          </p:cNvPr>
-          <p:cNvPicPr>
-            <a:picLocks noChangeAspect="1"/>
-          </p:cNvPicPr>
-          <p:nvPr/>
-        </p:nvPicPr>
-        <p:blipFill>
-          <a:blip r:embed="rId2"/>
-          <a:stretch>
-            <a:fillRect/>
-          </a:stretch>
-        </p:blipFill>
-        <p:spPr>
-          <a:xfrm>
-            <a:off x="8979834" y="6035379"/>
-            <a:ext cx="816935" cy="823031"/>
-          </a:xfrm>
-          <a:prstGeom prst="rect">
-            <a:avLst/>
-          </a:prstGeom>
-        </p:spPr>
-      </p:pic>
-      <p:sp>
-        <p:nvSpPr>
-          <p:cNvPr id="3" name="矩形 2">
-            <a:extLst>
-              <a:ext uri="{FF2B5EF4-FFF2-40B4-BE49-F238E27FC236}">
-                <a16:creationId xmlns:a16="http://schemas.microsoft.com/office/drawing/2014/main" id="{8BA20B73-13BB-4D2D-B46D-ED431068746D}"/>
-              </a:ext>
-            </a:extLst>
-          </p:cNvPr>
-          <p:cNvSpPr/>
-          <p:nvPr/>
-        </p:nvSpPr>
-        <p:spPr>
-          <a:xfrm rot="18900000" flipH="1">
-            <a:off x="9969354" y="6157882"/>
-            <a:ext cx="576064" cy="576064"/>
-          </a:xfrm>
-          <a:prstGeom prst="rect">
-            <a:avLst/>
-          </a:prstGeom>
-          <a:solidFill>
-            <a:srgbClr val="00B0F0">
-              <a:alpha val="30980"/>
-            </a:srgbClr>
-          </a:solidFill>
-          <a:ln>
-            <a:noFill/>
-          </a:ln>
-        </p:spPr>
-        <p:style>
-          <a:lnRef idx="2">
-            <a:schemeClr val="accent1">
-              <a:shade val="50000"/>
-            </a:schemeClr>
-          </a:lnRef>
-          <a:fillRef idx="1">
-            <a:schemeClr val="accent1"/>
-          </a:fillRef>
-          <a:effectRef idx="0">
-            <a:schemeClr val="accent1"/>
-          </a:effectRef>
-          <a:fontRef idx="minor">
-            <a:schemeClr val="lt1"/>
-          </a:fontRef>
-        </p:style>
-        <p:txBody>
-          <a:bodyPr rtlCol="0" anchor="ctr"/>
-          <a:lstStyle/>
-          <a:p>
-            <a:pPr marL="0" marR="0" lvl="0" indent="0" algn="ctr" defTabSz="914400" rtl="0" eaLnBrk="1" fontAlgn="auto" latinLnBrk="0" hangingPunct="1">
-              <a:lnSpc>
-                <a:spcPct val="100000"/>
-              </a:lnSpc>
-              <a:spcBef>
-                <a:spcPts val="0"/>
-              </a:spcBef>
-              <a:spcAft>
-                <a:spcPts val="0"/>
-              </a:spcAft>
-              <a:buClrTx/>
-              <a:buSzTx/>
-              <a:buFontTx/>
-              <a:buNone/>
-              <a:tabLst/>
-              <a:defRPr/>
-            </a:pPr>
-            <a:endParaRPr kumimoji="0" lang="zh-CN" altLang="en-US" sz="1800" b="0" i="0" u="none" strike="noStrike" kern="1200" cap="none" spc="0" normalizeH="0" baseline="0" noProof="0">
-              <a:ln>
-                <a:noFill/>
-              </a:ln>
-              <a:solidFill>
-                <a:srgbClr val="FFFFFF"/>
-              </a:solidFill>
-              <a:effectLst/>
-              <a:uLnTx/>
-              <a:uFillTx/>
-              <a:latin typeface="Calibri"/>
-              <a:ea typeface="宋体" panose="02010600030101010101" pitchFamily="2" charset="-122"/>
-              <a:cs typeface="+mn-cs"/>
-            </a:endParaRPr>
-          </a:p>
-        </p:txBody>
-      </p:sp>
-      <p:sp>
-        <p:nvSpPr>
-          <p:cNvPr id="4" name="矩形 3">
-            <a:extLst>
-              <a:ext uri="{FF2B5EF4-FFF2-40B4-BE49-F238E27FC236}">
-                <a16:creationId xmlns:a16="http://schemas.microsoft.com/office/drawing/2014/main" id="{E25F76B8-AAC8-416C-B29C-B153988FBA17}"/>
-              </a:ext>
-            </a:extLst>
-          </p:cNvPr>
-          <p:cNvSpPr/>
-          <p:nvPr/>
-        </p:nvSpPr>
-        <p:spPr>
-          <a:xfrm rot="18900000" flipH="1">
-            <a:off x="11495042" y="6164217"/>
-            <a:ext cx="576064" cy="576064"/>
-          </a:xfrm>
-          <a:prstGeom prst="rect">
-            <a:avLst/>
-          </a:prstGeom>
-          <a:solidFill>
-            <a:srgbClr val="00B0F0">
-              <a:alpha val="30980"/>
-            </a:srgbClr>
-          </a:solidFill>
-          <a:ln>
-            <a:noFill/>
-          </a:ln>
-        </p:spPr>
-        <p:style>
-          <a:lnRef idx="2">
-            <a:schemeClr val="accent1">
-              <a:shade val="50000"/>
-            </a:schemeClr>
-          </a:lnRef>
-          <a:fillRef idx="1">
-            <a:schemeClr val="accent1"/>
-          </a:fillRef>
-          <a:effectRef idx="0">
-            <a:schemeClr val="accent1"/>
-          </a:effectRef>
-          <a:fontRef idx="minor">
-            <a:schemeClr val="lt1"/>
-          </a:fontRef>
-        </p:style>
-        <p:txBody>
-          <a:bodyPr rtlCol="0" anchor="ctr"/>
-          <a:lstStyle/>
-          <a:p>
-            <a:pPr marL="0" marR="0" lvl="0" indent="0" algn="ctr" defTabSz="914400" rtl="0" eaLnBrk="1" fontAlgn="auto" latinLnBrk="0" hangingPunct="1">
-              <a:lnSpc>
-                <a:spcPct val="100000"/>
-              </a:lnSpc>
-              <a:spcBef>
-                <a:spcPts val="0"/>
-              </a:spcBef>
-              <a:spcAft>
-                <a:spcPts val="0"/>
-              </a:spcAft>
-              <a:buClrTx/>
-              <a:buSzTx/>
-              <a:buFontTx/>
-              <a:buNone/>
-              <a:tabLst/>
-              <a:defRPr/>
-            </a:pPr>
-            <a:endParaRPr kumimoji="0" lang="zh-CN" altLang="en-US" sz="1800" b="0" i="0" u="none" strike="noStrike" kern="1200" cap="none" spc="0" normalizeH="0" baseline="0" noProof="0">
-              <a:ln>
-                <a:noFill/>
-              </a:ln>
-              <a:solidFill>
-                <a:srgbClr val="FFFFFF"/>
-              </a:solidFill>
-              <a:effectLst/>
-              <a:uLnTx/>
-              <a:uFillTx/>
-              <a:latin typeface="Calibri"/>
-              <a:ea typeface="宋体" panose="02010600030101010101" pitchFamily="2" charset="-122"/>
-              <a:cs typeface="+mn-cs"/>
-            </a:endParaRPr>
-          </a:p>
-        </p:txBody>
-      </p:sp>
-      <p:pic>
-        <p:nvPicPr>
-          <p:cNvPr id="5" name="图片 4">
-            <a:extLst>
-              <a:ext uri="{FF2B5EF4-FFF2-40B4-BE49-F238E27FC236}">
-                <a16:creationId xmlns:a16="http://schemas.microsoft.com/office/drawing/2014/main" id="{F1980A9A-9DAE-426B-9A8D-E1E305BA82BC}"/>
-              </a:ext>
-            </a:extLst>
-          </p:cNvPr>
-          <p:cNvPicPr>
-            <a:picLocks noChangeAspect="1"/>
-          </p:cNvPicPr>
-          <p:nvPr/>
-        </p:nvPicPr>
-        <p:blipFill>
-          <a:blip r:embed="rId2"/>
-          <a:stretch>
-            <a:fillRect/>
-          </a:stretch>
-        </p:blipFill>
-        <p:spPr>
-          <a:xfrm>
-            <a:off x="10561057" y="6030222"/>
-            <a:ext cx="816935" cy="823031"/>
-          </a:xfrm>
-          <a:prstGeom prst="rect">
-            <a:avLst/>
-          </a:prstGeom>
-        </p:spPr>
-      </p:pic>
-      <p:sp>
-        <p:nvSpPr>
-          <p:cNvPr id="6" name="矩形 5">
-            <a:extLst>
-              <a:ext uri="{FF2B5EF4-FFF2-40B4-BE49-F238E27FC236}">
-                <a16:creationId xmlns:a16="http://schemas.microsoft.com/office/drawing/2014/main" id="{559762B4-BF1B-4492-87B5-C33C7F502EB2}"/>
-              </a:ext>
-            </a:extLst>
-          </p:cNvPr>
-          <p:cNvSpPr/>
-          <p:nvPr/>
-        </p:nvSpPr>
-        <p:spPr>
-          <a:xfrm>
-            <a:off x="325821" y="252248"/>
-            <a:ext cx="3189539" cy="767255"/>
-          </a:xfrm>
-          <a:prstGeom prst="rect">
-            <a:avLst/>
-          </a:prstGeom>
-          <a:noFill/>
-          <a:ln>
-            <a:solidFill>
-              <a:srgbClr val="00B0F0"/>
-            </a:solidFill>
-          </a:ln>
-        </p:spPr>
-        <p:style>
-          <a:lnRef idx="2">
-            <a:schemeClr val="accent1">
-              <a:shade val="50000"/>
-            </a:schemeClr>
-          </a:lnRef>
-          <a:fillRef idx="1">
-            <a:schemeClr val="accent1"/>
-          </a:fillRef>
-          <a:effectRef idx="0">
-            <a:schemeClr val="accent1"/>
-          </a:effectRef>
-          <a:fontRef idx="minor">
-            <a:schemeClr val="lt1"/>
-          </a:fontRef>
-        </p:style>
-        <p:txBody>
-          <a:bodyPr rtlCol="0" anchor="ctr"/>
-          <a:lstStyle/>
-          <a:p>
-            <a:pPr marL="0" marR="0" lvl="0" indent="0" algn="ctr" defTabSz="914400" rtl="0" eaLnBrk="1" fontAlgn="auto" latinLnBrk="0" hangingPunct="1">
-              <a:lnSpc>
-                <a:spcPct val="100000"/>
-              </a:lnSpc>
-              <a:spcBef>
-                <a:spcPts val="0"/>
-              </a:spcBef>
-              <a:spcAft>
-                <a:spcPts val="0"/>
-              </a:spcAft>
-              <a:buClrTx/>
-              <a:buSzTx/>
-              <a:buFontTx/>
-              <a:buNone/>
-              <a:tabLst/>
-              <a:defRPr/>
-            </a:pPr>
-            <a:endParaRPr kumimoji="0" lang="zh-CN" altLang="en-US" sz="1800" b="0" i="0" u="none" strike="noStrike" kern="1200" cap="none" spc="0" normalizeH="0" baseline="0" noProof="0">
-              <a:ln>
-                <a:noFill/>
-              </a:ln>
-              <a:solidFill>
-                <a:srgbClr val="00B0F0"/>
-              </a:solidFill>
-              <a:effectLst/>
-              <a:uLnTx/>
-              <a:uFillTx/>
-              <a:latin typeface="Calibri"/>
-              <a:ea typeface="宋体" panose="02010600030101010101" pitchFamily="2" charset="-122"/>
-              <a:cs typeface="+mn-cs"/>
-            </a:endParaRPr>
-          </a:p>
-        </p:txBody>
-      </p:sp>
-      <p:sp>
-        <p:nvSpPr>
-          <p:cNvPr id="7" name="矩形 6">
-            <a:extLst>
-              <a:ext uri="{FF2B5EF4-FFF2-40B4-BE49-F238E27FC236}">
-                <a16:creationId xmlns:a16="http://schemas.microsoft.com/office/drawing/2014/main" id="{42E28576-7F1C-4F1F-96DC-65446809630F}"/>
-              </a:ext>
-            </a:extLst>
-          </p:cNvPr>
-          <p:cNvSpPr/>
-          <p:nvPr/>
-        </p:nvSpPr>
-        <p:spPr>
-          <a:xfrm>
-            <a:off x="406838" y="343487"/>
-            <a:ext cx="3369441" cy="584775"/>
-          </a:xfrm>
-          <a:prstGeom prst="rect">
-            <a:avLst/>
-          </a:prstGeom>
-        </p:spPr>
-        <p:txBody>
-          <a:bodyPr wrap="square">
-            <a:spAutoFit/>
-          </a:bodyPr>
-          <a:lstStyle/>
-          <a:p>
-            <a:pPr marL="0" marR="0" lvl="0" indent="0" algn="l" defTabSz="914400" rtl="0" eaLnBrk="1" fontAlgn="auto" latinLnBrk="0" hangingPunct="1">
-              <a:lnSpc>
-                <a:spcPct val="100000"/>
-              </a:lnSpc>
-              <a:spcBef>
-                <a:spcPts val="0"/>
-              </a:spcBef>
-              <a:spcAft>
-                <a:spcPts val="0"/>
-              </a:spcAft>
-              <a:buClrTx/>
-              <a:buSzTx/>
-              <a:buFontTx/>
-              <a:buNone/>
-              <a:tabLst/>
-              <a:defRPr/>
-            </a:pPr>
-            <a:r>
-              <a:rPr kumimoji="0" lang="en-US" altLang="zh-CN" sz="3200" b="0" i="0" u="none" strike="noStrike" kern="1200" cap="none" spc="0" normalizeH="0" baseline="0" noProof="0" dirty="0">
-                <a:ln>
-                  <a:noFill/>
-                </a:ln>
-                <a:solidFill>
-                  <a:srgbClr val="3598DB"/>
-                </a:solidFill>
-                <a:effectLst/>
-                <a:uLnTx/>
-                <a:uFillTx/>
-                <a:latin typeface="Calibri"/>
-                <a:ea typeface="宋体" panose="02010600030101010101" pitchFamily="2" charset="-122"/>
-                <a:cs typeface="+mn-cs"/>
-              </a:rPr>
-              <a:t>Implementation </a:t>
-            </a:r>
-            <a:endParaRPr kumimoji="0" lang="zh-CN" altLang="en-US" sz="3200" b="0" i="0" u="none" strike="noStrike" kern="1200" cap="none" spc="0" normalizeH="0" baseline="0" noProof="0" dirty="0">
-              <a:ln>
-                <a:noFill/>
-              </a:ln>
-              <a:solidFill>
-                <a:srgbClr val="3598DB"/>
-              </a:solidFill>
-              <a:effectLst/>
-              <a:uLnTx/>
-              <a:uFillTx/>
-              <a:latin typeface="Calibri"/>
-              <a:ea typeface="宋体" panose="02010600030101010101" pitchFamily="2" charset="-122"/>
-              <a:cs typeface="+mn-cs"/>
-            </a:endParaRPr>
-          </a:p>
-        </p:txBody>
-      </p:sp>
-      <p:sp>
-        <p:nvSpPr>
-          <p:cNvPr id="8" name="文本框 7">
-            <a:extLst>
-              <a:ext uri="{FF2B5EF4-FFF2-40B4-BE49-F238E27FC236}">
-                <a16:creationId xmlns:a16="http://schemas.microsoft.com/office/drawing/2014/main" id="{4D3881C0-3FBC-4C67-BF84-DC0113A1FED7}"/>
-              </a:ext>
-            </a:extLst>
-          </p:cNvPr>
-          <p:cNvSpPr txBox="1"/>
-          <p:nvPr/>
-        </p:nvSpPr>
-        <p:spPr>
-          <a:xfrm>
-            <a:off x="10332720" y="91440"/>
-            <a:ext cx="1857693" cy="369332"/>
-          </a:xfrm>
-          <a:prstGeom prst="rect">
-            <a:avLst/>
-          </a:prstGeom>
-          <a:noFill/>
-        </p:spPr>
-        <p:txBody>
-          <a:bodyPr wrap="square" rtlCol="0">
-            <a:spAutoFit/>
-          </a:bodyPr>
-          <a:lstStyle/>
-          <a:p>
-            <a:pPr algn="ctr"/>
-            <a:r>
-              <a:rPr lang="en-US" altLang="zh-CN" dirty="0"/>
-              <a:t>The Game Class</a:t>
-            </a:r>
-            <a:endParaRPr lang="zh-CN" altLang="en-US" dirty="0"/>
-          </a:p>
-        </p:txBody>
-      </p:sp>
-      <p:pic>
-        <p:nvPicPr>
-          <p:cNvPr id="10" name="Picture 9">
-            <a:extLst>
-              <a:ext uri="{FF2B5EF4-FFF2-40B4-BE49-F238E27FC236}">
-                <a16:creationId xmlns:a16="http://schemas.microsoft.com/office/drawing/2014/main" id="{D4285057-1DD1-4B05-B1F1-04BED1EBE66C}"/>
-              </a:ext>
-            </a:extLst>
-          </p:cNvPr>
-          <p:cNvPicPr>
-            <a:picLocks noChangeAspect="1"/>
-          </p:cNvPicPr>
-          <p:nvPr/>
-        </p:nvPicPr>
-        <p:blipFill>
-          <a:blip r:embed="rId3"/>
-          <a:stretch>
-            <a:fillRect/>
-          </a:stretch>
-        </p:blipFill>
-        <p:spPr>
-          <a:xfrm>
-            <a:off x="5290730" y="1019503"/>
-            <a:ext cx="5737884" cy="5480723"/>
-          </a:xfrm>
-          <a:prstGeom prst="rect">
-            <a:avLst/>
-          </a:prstGeom>
-        </p:spPr>
-      </p:pic>
-      <p:pic>
-        <p:nvPicPr>
-          <p:cNvPr id="11" name="Picture 10">
-            <a:extLst>
-              <a:ext uri="{FF2B5EF4-FFF2-40B4-BE49-F238E27FC236}">
-                <a16:creationId xmlns:a16="http://schemas.microsoft.com/office/drawing/2014/main" id="{3CFC6C5F-164A-4CE9-B361-A1B0609366E5}"/>
-              </a:ext>
-            </a:extLst>
-          </p:cNvPr>
-          <p:cNvPicPr>
-            <a:picLocks noChangeAspect="1"/>
-          </p:cNvPicPr>
-          <p:nvPr/>
-        </p:nvPicPr>
-        <p:blipFill>
-          <a:blip r:embed="rId4"/>
-          <a:stretch>
-            <a:fillRect/>
-          </a:stretch>
-        </p:blipFill>
-        <p:spPr>
-          <a:xfrm>
-            <a:off x="590272" y="1261704"/>
-            <a:ext cx="4526898" cy="5180033"/>
-          </a:xfrm>
-          <a:prstGeom prst="rect">
-            <a:avLst/>
-          </a:prstGeom>
-        </p:spPr>
-      </p:pic>
-    </p:spTree>
-    <p:extLst>
-      <p:ext uri="{BB962C8B-B14F-4D97-AF65-F5344CB8AC3E}">
-        <p14:creationId xmlns:p14="http://schemas.microsoft.com/office/powerpoint/2010/main" val="1791681470"/>
-      </p:ext>
-    </p:extLst>
-  </p:cSld>
-  <p:clrMapOvr>
-    <a:masterClrMapping/>
-  </p:clrMapOvr>
-  <mc:AlternateContent xmlns:mc="http://schemas.openxmlformats.org/markup-compatibility/2006" xmlns:p14="http://schemas.microsoft.com/office/powerpoint/2010/main">
-    <mc:Choice Requires="p14">
-      <p:transition spd="slow" p14:dur="2000" advTm="11274"/>
-    </mc:Choice>
-    <mc:Fallback xmlns="">
-      <p:transition spd="slow" advTm="11274"/>
-    </mc:Fallback>
-  </mc:AlternateContent>
-</p:sld>
-</file>
-
 <file path=ppt/slides/slide17.xml><?xml version="1.0" encoding="utf-8"?>
 <p:sld xmlns:a="http://schemas.openxmlformats.org/drawingml/2006/main" xmlns:r="http://schemas.openxmlformats.org/officeDocument/2006/relationships" xmlns:p="http://schemas.openxmlformats.org/presentationml/2006/main">
   <p:cSld>
@@ -38000,6 +37782,526 @@
       </p:sp>
       <p:sp>
         <p:nvSpPr>
+          <p:cNvPr id="8" name="文本框 7">
+            <a:extLst>
+              <a:ext uri="{FF2B5EF4-FFF2-40B4-BE49-F238E27FC236}">
+                <a16:creationId xmlns:a16="http://schemas.microsoft.com/office/drawing/2014/main" id="{4D3881C0-3FBC-4C67-BF84-DC0113A1FED7}"/>
+              </a:ext>
+            </a:extLst>
+          </p:cNvPr>
+          <p:cNvSpPr txBox="1"/>
+          <p:nvPr/>
+        </p:nvSpPr>
+        <p:spPr>
+          <a:xfrm>
+            <a:off x="10332720" y="91440"/>
+            <a:ext cx="1857693" cy="369332"/>
+          </a:xfrm>
+          <a:prstGeom prst="rect">
+            <a:avLst/>
+          </a:prstGeom>
+          <a:noFill/>
+        </p:spPr>
+        <p:txBody>
+          <a:bodyPr wrap="square" rtlCol="0">
+            <a:spAutoFit/>
+          </a:bodyPr>
+          <a:lstStyle/>
+          <a:p>
+            <a:pPr algn="ctr"/>
+            <a:r>
+              <a:rPr lang="en-US" altLang="zh-CN" dirty="0"/>
+              <a:t>The Game Class</a:t>
+            </a:r>
+            <a:endParaRPr lang="zh-CN" altLang="en-US" dirty="0"/>
+          </a:p>
+        </p:txBody>
+      </p:sp>
+      <p:pic>
+        <p:nvPicPr>
+          <p:cNvPr id="10" name="Picture 9">
+            <a:extLst>
+              <a:ext uri="{FF2B5EF4-FFF2-40B4-BE49-F238E27FC236}">
+                <a16:creationId xmlns:a16="http://schemas.microsoft.com/office/drawing/2014/main" id="{D4285057-1DD1-4B05-B1F1-04BED1EBE66C}"/>
+              </a:ext>
+            </a:extLst>
+          </p:cNvPr>
+          <p:cNvPicPr>
+            <a:picLocks noChangeAspect="1"/>
+          </p:cNvPicPr>
+          <p:nvPr/>
+        </p:nvPicPr>
+        <p:blipFill>
+          <a:blip r:embed="rId3"/>
+          <a:stretch>
+            <a:fillRect/>
+          </a:stretch>
+        </p:blipFill>
+        <p:spPr>
+          <a:xfrm>
+            <a:off x="5290730" y="1019503"/>
+            <a:ext cx="5737884" cy="5480723"/>
+          </a:xfrm>
+          <a:prstGeom prst="rect">
+            <a:avLst/>
+          </a:prstGeom>
+        </p:spPr>
+      </p:pic>
+      <p:pic>
+        <p:nvPicPr>
+          <p:cNvPr id="11" name="Picture 10">
+            <a:extLst>
+              <a:ext uri="{FF2B5EF4-FFF2-40B4-BE49-F238E27FC236}">
+                <a16:creationId xmlns:a16="http://schemas.microsoft.com/office/drawing/2014/main" id="{3CFC6C5F-164A-4CE9-B361-A1B0609366E5}"/>
+              </a:ext>
+            </a:extLst>
+          </p:cNvPr>
+          <p:cNvPicPr>
+            <a:picLocks noChangeAspect="1"/>
+          </p:cNvPicPr>
+          <p:nvPr/>
+        </p:nvPicPr>
+        <p:blipFill>
+          <a:blip r:embed="rId4"/>
+          <a:stretch>
+            <a:fillRect/>
+          </a:stretch>
+        </p:blipFill>
+        <p:spPr>
+          <a:xfrm>
+            <a:off x="590272" y="1261704"/>
+            <a:ext cx="4526898" cy="5180033"/>
+          </a:xfrm>
+          <a:prstGeom prst="rect">
+            <a:avLst/>
+          </a:prstGeom>
+        </p:spPr>
+      </p:pic>
+    </p:spTree>
+    <p:extLst>
+      <p:ext uri="{BB962C8B-B14F-4D97-AF65-F5344CB8AC3E}">
+        <p14:creationId xmlns:p14="http://schemas.microsoft.com/office/powerpoint/2010/main" val="1791681470"/>
+      </p:ext>
+    </p:extLst>
+  </p:cSld>
+  <p:clrMapOvr>
+    <a:masterClrMapping/>
+  </p:clrMapOvr>
+  <mc:AlternateContent xmlns:mc="http://schemas.openxmlformats.org/markup-compatibility/2006" xmlns:p14="http://schemas.microsoft.com/office/powerpoint/2010/main">
+    <mc:Choice Requires="p14">
+      <p:transition spd="slow" p14:dur="2000" advTm="11274"/>
+    </mc:Choice>
+    <mc:Fallback xmlns="">
+      <p:transition spd="slow" advTm="11274"/>
+    </mc:Fallback>
+  </mc:AlternateContent>
+</p:sld>
+</file>
+
+<file path=ppt/slides/slide18.xml><?xml version="1.0" encoding="utf-8"?>
+<p:sld xmlns:a="http://schemas.openxmlformats.org/drawingml/2006/main" xmlns:r="http://schemas.openxmlformats.org/officeDocument/2006/relationships" xmlns:p="http://schemas.openxmlformats.org/presentationml/2006/main">
+  <p:cSld>
+    <p:spTree>
+      <p:nvGrpSpPr>
+        <p:cNvPr id="1" name=""/>
+        <p:cNvGrpSpPr/>
+        <p:nvPr/>
+      </p:nvGrpSpPr>
+      <p:grpSpPr>
+        <a:xfrm>
+          <a:off x="0" y="0"/>
+          <a:ext cx="0" cy="0"/>
+          <a:chOff x="0" y="0"/>
+          <a:chExt cx="0" cy="0"/>
+        </a:xfrm>
+      </p:grpSpPr>
+      <p:pic>
+        <p:nvPicPr>
+          <p:cNvPr id="2" name="图片 1">
+            <a:extLst>
+              <a:ext uri="{FF2B5EF4-FFF2-40B4-BE49-F238E27FC236}">
+                <a16:creationId xmlns:a16="http://schemas.microsoft.com/office/drawing/2014/main" id="{0AA42593-3652-4D80-ACF1-8DA6D6DF94C3}"/>
+              </a:ext>
+            </a:extLst>
+          </p:cNvPr>
+          <p:cNvPicPr>
+            <a:picLocks noChangeAspect="1"/>
+          </p:cNvPicPr>
+          <p:nvPr/>
+        </p:nvPicPr>
+        <p:blipFill>
+          <a:blip r:embed="rId2"/>
+          <a:stretch>
+            <a:fillRect/>
+          </a:stretch>
+        </p:blipFill>
+        <p:spPr>
+          <a:xfrm>
+            <a:off x="8979834" y="6035379"/>
+            <a:ext cx="816935" cy="823031"/>
+          </a:xfrm>
+          <a:prstGeom prst="rect">
+            <a:avLst/>
+          </a:prstGeom>
+        </p:spPr>
+      </p:pic>
+      <p:sp>
+        <p:nvSpPr>
+          <p:cNvPr id="3" name="矩形 2">
+            <a:extLst>
+              <a:ext uri="{FF2B5EF4-FFF2-40B4-BE49-F238E27FC236}">
+                <a16:creationId xmlns:a16="http://schemas.microsoft.com/office/drawing/2014/main" id="{8BA20B73-13BB-4D2D-B46D-ED431068746D}"/>
+              </a:ext>
+            </a:extLst>
+          </p:cNvPr>
+          <p:cNvSpPr/>
+          <p:nvPr/>
+        </p:nvSpPr>
+        <p:spPr>
+          <a:xfrm rot="18900000" flipH="1">
+            <a:off x="9969354" y="6157882"/>
+            <a:ext cx="576064" cy="576064"/>
+          </a:xfrm>
+          <a:prstGeom prst="rect">
+            <a:avLst/>
+          </a:prstGeom>
+          <a:solidFill>
+            <a:srgbClr val="00B0F0">
+              <a:alpha val="30980"/>
+            </a:srgbClr>
+          </a:solidFill>
+          <a:ln>
+            <a:noFill/>
+          </a:ln>
+        </p:spPr>
+        <p:style>
+          <a:lnRef idx="2">
+            <a:schemeClr val="accent1">
+              <a:shade val="50000"/>
+            </a:schemeClr>
+          </a:lnRef>
+          <a:fillRef idx="1">
+            <a:schemeClr val="accent1"/>
+          </a:fillRef>
+          <a:effectRef idx="0">
+            <a:schemeClr val="accent1"/>
+          </a:effectRef>
+          <a:fontRef idx="minor">
+            <a:schemeClr val="lt1"/>
+          </a:fontRef>
+        </p:style>
+        <p:txBody>
+          <a:bodyPr rtlCol="0" anchor="ctr"/>
+          <a:lstStyle/>
+          <a:p>
+            <a:pPr marL="0" marR="0" lvl="0" indent="0" algn="ctr" defTabSz="914400" rtl="0" eaLnBrk="1" fontAlgn="auto" latinLnBrk="0" hangingPunct="1">
+              <a:lnSpc>
+                <a:spcPct val="100000"/>
+              </a:lnSpc>
+              <a:spcBef>
+                <a:spcPts val="0"/>
+              </a:spcBef>
+              <a:spcAft>
+                <a:spcPts val="0"/>
+              </a:spcAft>
+              <a:buClrTx/>
+              <a:buSzTx/>
+              <a:buFontTx/>
+              <a:buNone/>
+              <a:tabLst/>
+              <a:defRPr/>
+            </a:pPr>
+            <a:endParaRPr kumimoji="0" lang="zh-CN" altLang="en-US" sz="1800" b="0" i="0" u="none" strike="noStrike" kern="1200" cap="none" spc="0" normalizeH="0" baseline="0" noProof="0">
+              <a:ln>
+                <a:noFill/>
+              </a:ln>
+              <a:solidFill>
+                <a:srgbClr val="FFFFFF"/>
+              </a:solidFill>
+              <a:effectLst/>
+              <a:uLnTx/>
+              <a:uFillTx/>
+              <a:latin typeface="Calibri"/>
+              <a:ea typeface="宋体" panose="02010600030101010101" pitchFamily="2" charset="-122"/>
+              <a:cs typeface="+mn-cs"/>
+            </a:endParaRPr>
+          </a:p>
+        </p:txBody>
+      </p:sp>
+      <p:sp>
+        <p:nvSpPr>
+          <p:cNvPr id="4" name="矩形 3">
+            <a:extLst>
+              <a:ext uri="{FF2B5EF4-FFF2-40B4-BE49-F238E27FC236}">
+                <a16:creationId xmlns:a16="http://schemas.microsoft.com/office/drawing/2014/main" id="{E25F76B8-AAC8-416C-B29C-B153988FBA17}"/>
+              </a:ext>
+            </a:extLst>
+          </p:cNvPr>
+          <p:cNvSpPr/>
+          <p:nvPr/>
+        </p:nvSpPr>
+        <p:spPr>
+          <a:xfrm rot="18900000" flipH="1">
+            <a:off x="11495042" y="6164217"/>
+            <a:ext cx="576064" cy="576064"/>
+          </a:xfrm>
+          <a:prstGeom prst="rect">
+            <a:avLst/>
+          </a:prstGeom>
+          <a:solidFill>
+            <a:srgbClr val="00B0F0">
+              <a:alpha val="30980"/>
+            </a:srgbClr>
+          </a:solidFill>
+          <a:ln>
+            <a:noFill/>
+          </a:ln>
+        </p:spPr>
+        <p:style>
+          <a:lnRef idx="2">
+            <a:schemeClr val="accent1">
+              <a:shade val="50000"/>
+            </a:schemeClr>
+          </a:lnRef>
+          <a:fillRef idx="1">
+            <a:schemeClr val="accent1"/>
+          </a:fillRef>
+          <a:effectRef idx="0">
+            <a:schemeClr val="accent1"/>
+          </a:effectRef>
+          <a:fontRef idx="minor">
+            <a:schemeClr val="lt1"/>
+          </a:fontRef>
+        </p:style>
+        <p:txBody>
+          <a:bodyPr rtlCol="0" anchor="ctr"/>
+          <a:lstStyle/>
+          <a:p>
+            <a:pPr marL="0" marR="0" lvl="0" indent="0" algn="ctr" defTabSz="914400" rtl="0" eaLnBrk="1" fontAlgn="auto" latinLnBrk="0" hangingPunct="1">
+              <a:lnSpc>
+                <a:spcPct val="100000"/>
+              </a:lnSpc>
+              <a:spcBef>
+                <a:spcPts val="0"/>
+              </a:spcBef>
+              <a:spcAft>
+                <a:spcPts val="0"/>
+              </a:spcAft>
+              <a:buClrTx/>
+              <a:buSzTx/>
+              <a:buFontTx/>
+              <a:buNone/>
+              <a:tabLst/>
+              <a:defRPr/>
+            </a:pPr>
+            <a:endParaRPr kumimoji="0" lang="zh-CN" altLang="en-US" sz="1800" b="0" i="0" u="none" strike="noStrike" kern="1200" cap="none" spc="0" normalizeH="0" baseline="0" noProof="0">
+              <a:ln>
+                <a:noFill/>
+              </a:ln>
+              <a:solidFill>
+                <a:srgbClr val="FFFFFF"/>
+              </a:solidFill>
+              <a:effectLst/>
+              <a:uLnTx/>
+              <a:uFillTx/>
+              <a:latin typeface="Calibri"/>
+              <a:ea typeface="宋体" panose="02010600030101010101" pitchFamily="2" charset="-122"/>
+              <a:cs typeface="+mn-cs"/>
+            </a:endParaRPr>
+          </a:p>
+        </p:txBody>
+      </p:sp>
+      <p:pic>
+        <p:nvPicPr>
+          <p:cNvPr id="5" name="图片 4">
+            <a:extLst>
+              <a:ext uri="{FF2B5EF4-FFF2-40B4-BE49-F238E27FC236}">
+                <a16:creationId xmlns:a16="http://schemas.microsoft.com/office/drawing/2014/main" id="{F1980A9A-9DAE-426B-9A8D-E1E305BA82BC}"/>
+              </a:ext>
+            </a:extLst>
+          </p:cNvPr>
+          <p:cNvPicPr>
+            <a:picLocks noChangeAspect="1"/>
+          </p:cNvPicPr>
+          <p:nvPr/>
+        </p:nvPicPr>
+        <p:blipFill>
+          <a:blip r:embed="rId2"/>
+          <a:stretch>
+            <a:fillRect/>
+          </a:stretch>
+        </p:blipFill>
+        <p:spPr>
+          <a:xfrm>
+            <a:off x="10561057" y="6030222"/>
+            <a:ext cx="816935" cy="823031"/>
+          </a:xfrm>
+          <a:prstGeom prst="rect">
+            <a:avLst/>
+          </a:prstGeom>
+        </p:spPr>
+      </p:pic>
+      <p:sp>
+        <p:nvSpPr>
+          <p:cNvPr id="6" name="矩形 5">
+            <a:extLst>
+              <a:ext uri="{FF2B5EF4-FFF2-40B4-BE49-F238E27FC236}">
+                <a16:creationId xmlns:a16="http://schemas.microsoft.com/office/drawing/2014/main" id="{559762B4-BF1B-4492-87B5-C33C7F502EB2}"/>
+              </a:ext>
+            </a:extLst>
+          </p:cNvPr>
+          <p:cNvSpPr/>
+          <p:nvPr/>
+        </p:nvSpPr>
+        <p:spPr>
+          <a:xfrm>
+            <a:off x="325821" y="252248"/>
+            <a:ext cx="3189539" cy="767255"/>
+          </a:xfrm>
+          <a:prstGeom prst="rect">
+            <a:avLst/>
+          </a:prstGeom>
+          <a:noFill/>
+          <a:ln>
+            <a:solidFill>
+              <a:srgbClr val="00B0F0"/>
+            </a:solidFill>
+          </a:ln>
+        </p:spPr>
+        <p:style>
+          <a:lnRef idx="2">
+            <a:schemeClr val="accent1">
+              <a:shade val="50000"/>
+            </a:schemeClr>
+          </a:lnRef>
+          <a:fillRef idx="1">
+            <a:schemeClr val="accent1"/>
+          </a:fillRef>
+          <a:effectRef idx="0">
+            <a:schemeClr val="accent1"/>
+          </a:effectRef>
+          <a:fontRef idx="minor">
+            <a:schemeClr val="lt1"/>
+          </a:fontRef>
+        </p:style>
+        <p:txBody>
+          <a:bodyPr rtlCol="0" anchor="ctr"/>
+          <a:lstStyle/>
+          <a:p>
+            <a:pPr marL="0" marR="0" lvl="0" indent="0" algn="ctr" defTabSz="914400" rtl="0" eaLnBrk="1" fontAlgn="auto" latinLnBrk="0" hangingPunct="1">
+              <a:lnSpc>
+                <a:spcPct val="100000"/>
+              </a:lnSpc>
+              <a:spcBef>
+                <a:spcPts val="0"/>
+              </a:spcBef>
+              <a:spcAft>
+                <a:spcPts val="0"/>
+              </a:spcAft>
+              <a:buClrTx/>
+              <a:buSzTx/>
+              <a:buFontTx/>
+              <a:buNone/>
+              <a:tabLst/>
+              <a:defRPr/>
+            </a:pPr>
+            <a:endParaRPr kumimoji="0" lang="zh-CN" altLang="en-US" sz="1800" b="0" i="0" u="none" strike="noStrike" kern="1200" cap="none" spc="0" normalizeH="0" baseline="0" noProof="0">
+              <a:ln>
+                <a:noFill/>
+              </a:ln>
+              <a:solidFill>
+                <a:srgbClr val="00B0F0"/>
+              </a:solidFill>
+              <a:effectLst/>
+              <a:uLnTx/>
+              <a:uFillTx/>
+              <a:latin typeface="Calibri"/>
+              <a:ea typeface="宋体" panose="02010600030101010101" pitchFamily="2" charset="-122"/>
+              <a:cs typeface="+mn-cs"/>
+            </a:endParaRPr>
+          </a:p>
+        </p:txBody>
+      </p:sp>
+      <p:sp>
+        <p:nvSpPr>
+          <p:cNvPr id="7" name="矩形 6">
+            <a:extLst>
+              <a:ext uri="{FF2B5EF4-FFF2-40B4-BE49-F238E27FC236}">
+                <a16:creationId xmlns:a16="http://schemas.microsoft.com/office/drawing/2014/main" id="{42E28576-7F1C-4F1F-96DC-65446809630F}"/>
+              </a:ext>
+            </a:extLst>
+          </p:cNvPr>
+          <p:cNvSpPr/>
+          <p:nvPr/>
+        </p:nvSpPr>
+        <p:spPr>
+          <a:xfrm>
+            <a:off x="406838" y="343487"/>
+            <a:ext cx="3369441" cy="584775"/>
+          </a:xfrm>
+          <a:prstGeom prst="rect">
+            <a:avLst/>
+          </a:prstGeom>
+        </p:spPr>
+        <p:txBody>
+          <a:bodyPr wrap="square">
+            <a:spAutoFit/>
+          </a:bodyPr>
+          <a:lstStyle/>
+          <a:p>
+            <a:pPr marL="0" marR="0" lvl="0" indent="0" algn="l" defTabSz="914400" rtl="0" eaLnBrk="1" fontAlgn="auto" latinLnBrk="0" hangingPunct="1">
+              <a:lnSpc>
+                <a:spcPct val="100000"/>
+              </a:lnSpc>
+              <a:spcBef>
+                <a:spcPts val="0"/>
+              </a:spcBef>
+              <a:spcAft>
+                <a:spcPts val="0"/>
+              </a:spcAft>
+              <a:buClrTx/>
+              <a:buSzTx/>
+              <a:buFontTx/>
+              <a:buNone/>
+              <a:tabLst/>
+              <a:defRPr/>
+            </a:pPr>
+            <a:r>
+              <a:rPr kumimoji="0" lang="en-US" altLang="zh-CN" sz="3200" b="0" i="0" u="none" strike="noStrike" kern="1200" cap="none" spc="0" normalizeH="0" baseline="0" noProof="0" dirty="0">
+                <a:ln>
+                  <a:noFill/>
+                </a:ln>
+                <a:solidFill>
+                  <a:srgbClr val="3598DB"/>
+                </a:solidFill>
+                <a:effectLst/>
+                <a:uLnTx/>
+                <a:uFillTx/>
+                <a:latin typeface="Calibri"/>
+                <a:ea typeface="宋体" panose="02010600030101010101" pitchFamily="2" charset="-122"/>
+                <a:cs typeface="+mn-cs"/>
+              </a:rPr>
+              <a:t>Implementation </a:t>
+            </a:r>
+            <a:endParaRPr kumimoji="0" lang="zh-CN" altLang="en-US" sz="3200" b="0" i="0" u="none" strike="noStrike" kern="1200" cap="none" spc="0" normalizeH="0" baseline="0" noProof="0" dirty="0">
+              <a:ln>
+                <a:noFill/>
+              </a:ln>
+              <a:solidFill>
+                <a:srgbClr val="3598DB"/>
+              </a:solidFill>
+              <a:effectLst/>
+              <a:uLnTx/>
+              <a:uFillTx/>
+              <a:latin typeface="Calibri"/>
+              <a:ea typeface="宋体" panose="02010600030101010101" pitchFamily="2" charset="-122"/>
+              <a:cs typeface="+mn-cs"/>
+            </a:endParaRPr>
+          </a:p>
+        </p:txBody>
+      </p:sp>
+      <p:sp>
+        <p:nvSpPr>
           <p:cNvPr id="11" name="文本框 8">
             <a:extLst>
               <a:ext uri="{FF2B5EF4-FFF2-40B4-BE49-F238E27FC236}">
@@ -38121,7 +38423,7 @@
 </p:sld>
 </file>
 
-<file path=ppt/slides/slide18.xml><?xml version="1.0" encoding="utf-8"?>
+<file path=ppt/slides/slide19.xml><?xml version="1.0" encoding="utf-8"?>
 <p:sld xmlns:a="http://schemas.openxmlformats.org/drawingml/2006/main" xmlns:r="http://schemas.openxmlformats.org/officeDocument/2006/relationships" xmlns:p="http://schemas.openxmlformats.org/presentationml/2006/main">
   <p:cSld>
     <p:spTree>
@@ -38403,357 +38705,6 @@
     <p:extLst>
       <p:ext uri="{BB962C8B-B14F-4D97-AF65-F5344CB8AC3E}">
         <p14:creationId xmlns:p14="http://schemas.microsoft.com/office/powerpoint/2010/main" val="1951436771"/>
-      </p:ext>
-    </p:extLst>
-  </p:cSld>
-  <p:clrMapOvr>
-    <a:masterClrMapping/>
-  </p:clrMapOvr>
-</p:sld>
-</file>
-
-<file path=ppt/slides/slide19.xml><?xml version="1.0" encoding="utf-8"?>
-<p:sld xmlns:a="http://schemas.openxmlformats.org/drawingml/2006/main" xmlns:r="http://schemas.openxmlformats.org/officeDocument/2006/relationships" xmlns:p="http://schemas.openxmlformats.org/presentationml/2006/main">
-  <p:cSld>
-    <p:spTree>
-      <p:nvGrpSpPr>
-        <p:cNvPr id="1" name=""/>
-        <p:cNvGrpSpPr/>
-        <p:nvPr/>
-      </p:nvGrpSpPr>
-      <p:grpSpPr>
-        <a:xfrm>
-          <a:off x="0" y="0"/>
-          <a:ext cx="0" cy="0"/>
-          <a:chOff x="0" y="0"/>
-          <a:chExt cx="0" cy="0"/>
-        </a:xfrm>
-      </p:grpSpPr>
-      <p:sp>
-        <p:nvSpPr>
-          <p:cNvPr id="2" name="矩形 6">
-            <a:extLst>
-              <a:ext uri="{FF2B5EF4-FFF2-40B4-BE49-F238E27FC236}">
-                <a16:creationId xmlns:a16="http://schemas.microsoft.com/office/drawing/2014/main" id="{3D02161C-6C69-4224-A3D2-A67B73B5647C}"/>
-              </a:ext>
-            </a:extLst>
-          </p:cNvPr>
-          <p:cNvSpPr/>
-          <p:nvPr/>
-        </p:nvSpPr>
-        <p:spPr>
-          <a:xfrm>
-            <a:off x="326939" y="247468"/>
-            <a:ext cx="3369441" cy="584775"/>
-          </a:xfrm>
-          <a:prstGeom prst="rect">
-            <a:avLst/>
-          </a:prstGeom>
-        </p:spPr>
-        <p:txBody>
-          <a:bodyPr wrap="square">
-            <a:spAutoFit/>
-          </a:bodyPr>
-          <a:lstStyle/>
-          <a:p>
-            <a:pPr marL="0" marR="0" lvl="0" indent="0" algn="l" defTabSz="914400" rtl="0" eaLnBrk="1" fontAlgn="auto" latinLnBrk="0" hangingPunct="1">
-              <a:lnSpc>
-                <a:spcPct val="100000"/>
-              </a:lnSpc>
-              <a:spcBef>
-                <a:spcPts val="0"/>
-              </a:spcBef>
-              <a:spcAft>
-                <a:spcPts val="0"/>
-              </a:spcAft>
-              <a:buClrTx/>
-              <a:buSzTx/>
-              <a:buFontTx/>
-              <a:buNone/>
-              <a:tabLst/>
-              <a:defRPr/>
-            </a:pPr>
-            <a:r>
-              <a:rPr kumimoji="0" lang="en-US" altLang="zh-CN" sz="3200" b="0" i="0" u="none" strike="noStrike" kern="1200" cap="none" spc="0" normalizeH="0" baseline="0" noProof="0" dirty="0">
-                <a:ln>
-                  <a:noFill/>
-                </a:ln>
-                <a:solidFill>
-                  <a:srgbClr val="3598DB"/>
-                </a:solidFill>
-                <a:effectLst/>
-                <a:uLnTx/>
-                <a:uFillTx/>
-                <a:latin typeface="Calibri"/>
-                <a:ea typeface="宋体" panose="02010600030101010101" pitchFamily="2" charset="-122"/>
-                <a:cs typeface="+mn-cs"/>
-              </a:rPr>
-              <a:t>Implementation </a:t>
-            </a:r>
-            <a:endParaRPr kumimoji="0" lang="zh-CN" altLang="en-US" sz="3200" b="0" i="0" u="none" strike="noStrike" kern="1200" cap="none" spc="0" normalizeH="0" baseline="0" noProof="0" dirty="0">
-              <a:ln>
-                <a:noFill/>
-              </a:ln>
-              <a:solidFill>
-                <a:srgbClr val="3598DB"/>
-              </a:solidFill>
-              <a:effectLst/>
-              <a:uLnTx/>
-              <a:uFillTx/>
-              <a:latin typeface="Calibri"/>
-              <a:ea typeface="宋体" panose="02010600030101010101" pitchFamily="2" charset="-122"/>
-              <a:cs typeface="+mn-cs"/>
-            </a:endParaRPr>
-          </a:p>
-        </p:txBody>
-      </p:sp>
-      <p:sp>
-        <p:nvSpPr>
-          <p:cNvPr id="3" name="矩形 5">
-            <a:extLst>
-              <a:ext uri="{FF2B5EF4-FFF2-40B4-BE49-F238E27FC236}">
-                <a16:creationId xmlns:a16="http://schemas.microsoft.com/office/drawing/2014/main" id="{B7151EA4-7007-426C-906B-F85EC9A297A5}"/>
-              </a:ext>
-            </a:extLst>
-          </p:cNvPr>
-          <p:cNvSpPr/>
-          <p:nvPr/>
-        </p:nvSpPr>
-        <p:spPr>
-          <a:xfrm>
-            <a:off x="77247" y="156227"/>
-            <a:ext cx="3189539" cy="767255"/>
-          </a:xfrm>
-          <a:prstGeom prst="rect">
-            <a:avLst/>
-          </a:prstGeom>
-          <a:noFill/>
-          <a:ln>
-            <a:solidFill>
-              <a:srgbClr val="00B0F0"/>
-            </a:solidFill>
-          </a:ln>
-        </p:spPr>
-        <p:style>
-          <a:lnRef idx="2">
-            <a:schemeClr val="accent1">
-              <a:shade val="50000"/>
-            </a:schemeClr>
-          </a:lnRef>
-          <a:fillRef idx="1">
-            <a:schemeClr val="accent1"/>
-          </a:fillRef>
-          <a:effectRef idx="0">
-            <a:schemeClr val="accent1"/>
-          </a:effectRef>
-          <a:fontRef idx="minor">
-            <a:schemeClr val="lt1"/>
-          </a:fontRef>
-        </p:style>
-        <p:txBody>
-          <a:bodyPr rtlCol="0" anchor="ctr"/>
-          <a:lstStyle/>
-          <a:p>
-            <a:pPr marL="0" marR="0" lvl="0" indent="0" algn="ctr" defTabSz="914400" rtl="0" eaLnBrk="1" fontAlgn="auto" latinLnBrk="0" hangingPunct="1">
-              <a:lnSpc>
-                <a:spcPct val="100000"/>
-              </a:lnSpc>
-              <a:spcBef>
-                <a:spcPts val="0"/>
-              </a:spcBef>
-              <a:spcAft>
-                <a:spcPts val="0"/>
-              </a:spcAft>
-              <a:buClrTx/>
-              <a:buSzTx/>
-              <a:buFontTx/>
-              <a:buNone/>
-              <a:tabLst/>
-              <a:defRPr/>
-            </a:pPr>
-            <a:endParaRPr kumimoji="0" lang="zh-CN" altLang="en-US" sz="1800" b="0" i="0" u="none" strike="noStrike" kern="1200" cap="none" spc="0" normalizeH="0" baseline="0" noProof="0">
-              <a:ln>
-                <a:noFill/>
-              </a:ln>
-              <a:solidFill>
-                <a:srgbClr val="00B0F0"/>
-              </a:solidFill>
-              <a:effectLst/>
-              <a:uLnTx/>
-              <a:uFillTx/>
-              <a:latin typeface="Calibri"/>
-              <a:ea typeface="宋体" panose="02010600030101010101" pitchFamily="2" charset="-122"/>
-              <a:cs typeface="+mn-cs"/>
-            </a:endParaRPr>
-          </a:p>
-        </p:txBody>
-      </p:sp>
-      <p:sp>
-        <p:nvSpPr>
-          <p:cNvPr id="4" name="文本框 8">
-            <a:extLst>
-              <a:ext uri="{FF2B5EF4-FFF2-40B4-BE49-F238E27FC236}">
-                <a16:creationId xmlns:a16="http://schemas.microsoft.com/office/drawing/2014/main" id="{8C4D044E-F62E-4071-BA49-1840B402A0F3}"/>
-              </a:ext>
-            </a:extLst>
-          </p:cNvPr>
-          <p:cNvSpPr txBox="1"/>
-          <p:nvPr/>
-        </p:nvSpPr>
-        <p:spPr>
-          <a:xfrm>
-            <a:off x="9469478" y="247468"/>
-            <a:ext cx="2720935" cy="369332"/>
-          </a:xfrm>
-          <a:prstGeom prst="rect">
-            <a:avLst/>
-          </a:prstGeom>
-          <a:noFill/>
-        </p:spPr>
-        <p:txBody>
-          <a:bodyPr wrap="square" rtlCol="0">
-            <a:spAutoFit/>
-          </a:bodyPr>
-          <a:lstStyle/>
-          <a:p>
-            <a:r>
-              <a:rPr lang="en-US" altLang="zh-CN" dirty="0"/>
-              <a:t>Collison</a:t>
-            </a:r>
-            <a:endParaRPr lang="zh-CN" altLang="en-US" dirty="0"/>
-          </a:p>
-        </p:txBody>
-      </p:sp>
-      <p:pic>
-        <p:nvPicPr>
-          <p:cNvPr id="5" name="Picture 4">
-            <a:extLst>
-              <a:ext uri="{FF2B5EF4-FFF2-40B4-BE49-F238E27FC236}">
-                <a16:creationId xmlns:a16="http://schemas.microsoft.com/office/drawing/2014/main" id="{CF3C792E-087B-46A0-AC8D-7662C1E97B74}"/>
-              </a:ext>
-            </a:extLst>
-          </p:cNvPr>
-          <p:cNvPicPr>
-            <a:picLocks noChangeAspect="1"/>
-          </p:cNvPicPr>
-          <p:nvPr/>
-        </p:nvPicPr>
-        <p:blipFill>
-          <a:blip r:embed="rId2"/>
-          <a:stretch>
-            <a:fillRect/>
-          </a:stretch>
-        </p:blipFill>
-        <p:spPr>
-          <a:xfrm>
-            <a:off x="326939" y="4491342"/>
-            <a:ext cx="2697714" cy="1676545"/>
-          </a:xfrm>
-          <a:prstGeom prst="rect">
-            <a:avLst/>
-          </a:prstGeom>
-        </p:spPr>
-      </p:pic>
-      <p:pic>
-        <p:nvPicPr>
-          <p:cNvPr id="6" name="Picture 5">
-            <a:extLst>
-              <a:ext uri="{FF2B5EF4-FFF2-40B4-BE49-F238E27FC236}">
-                <a16:creationId xmlns:a16="http://schemas.microsoft.com/office/drawing/2014/main" id="{6AC6D941-1352-4DF2-97BA-BE169CB06952}"/>
-              </a:ext>
-            </a:extLst>
-          </p:cNvPr>
-          <p:cNvPicPr>
-            <a:picLocks noChangeAspect="1"/>
-          </p:cNvPicPr>
-          <p:nvPr/>
-        </p:nvPicPr>
-        <p:blipFill>
-          <a:blip r:embed="rId3">
-            <a:extLst>
-              <a:ext uri="{28A0092B-C50C-407E-A947-70E740481C1C}">
-                <a14:useLocalDpi xmlns:a14="http://schemas.microsoft.com/office/drawing/2010/main" val="0"/>
-              </a:ext>
-            </a:extLst>
-          </a:blip>
-          <a:stretch>
-            <a:fillRect/>
-          </a:stretch>
-        </p:blipFill>
-        <p:spPr>
-          <a:xfrm>
-            <a:off x="3266786" y="0"/>
-            <a:ext cx="3795369" cy="6859588"/>
-          </a:xfrm>
-          <a:prstGeom prst="rect">
-            <a:avLst/>
-          </a:prstGeom>
-        </p:spPr>
-      </p:pic>
-      <p:pic>
-        <p:nvPicPr>
-          <p:cNvPr id="7" name="Picture 6">
-            <a:extLst>
-              <a:ext uri="{FF2B5EF4-FFF2-40B4-BE49-F238E27FC236}">
-                <a16:creationId xmlns:a16="http://schemas.microsoft.com/office/drawing/2014/main" id="{236B54A6-948D-48F3-9CF1-70B7CCA0970B}"/>
-              </a:ext>
-            </a:extLst>
-          </p:cNvPr>
-          <p:cNvPicPr>
-            <a:picLocks noChangeAspect="1"/>
-          </p:cNvPicPr>
-          <p:nvPr/>
-        </p:nvPicPr>
-        <p:blipFill>
-          <a:blip r:embed="rId4"/>
-          <a:stretch>
-            <a:fillRect/>
-          </a:stretch>
-        </p:blipFill>
-        <p:spPr>
-          <a:xfrm>
-            <a:off x="7062155" y="1138489"/>
-            <a:ext cx="5130162" cy="5029398"/>
-          </a:xfrm>
-          <a:prstGeom prst="rect">
-            <a:avLst/>
-          </a:prstGeom>
-        </p:spPr>
-      </p:pic>
-      <p:pic>
-        <p:nvPicPr>
-          <p:cNvPr id="8" name="Picture 7">
-            <a:extLst>
-              <a:ext uri="{FF2B5EF4-FFF2-40B4-BE49-F238E27FC236}">
-                <a16:creationId xmlns:a16="http://schemas.microsoft.com/office/drawing/2014/main" id="{D0E6DEE8-0159-456E-8C6D-0F1F98BCDC01}"/>
-              </a:ext>
-            </a:extLst>
-          </p:cNvPr>
-          <p:cNvPicPr>
-            <a:picLocks noChangeAspect="1"/>
-          </p:cNvPicPr>
-          <p:nvPr/>
-        </p:nvPicPr>
-        <p:blipFill>
-          <a:blip r:embed="rId5"/>
-          <a:stretch>
-            <a:fillRect/>
-          </a:stretch>
-        </p:blipFill>
-        <p:spPr>
-          <a:xfrm>
-            <a:off x="0" y="1014723"/>
-            <a:ext cx="3259962" cy="3308702"/>
-          </a:xfrm>
-          <a:prstGeom prst="rect">
-            <a:avLst/>
-          </a:prstGeom>
-        </p:spPr>
-      </p:pic>
-    </p:spTree>
-    <p:extLst>
-      <p:ext uri="{BB962C8B-B14F-4D97-AF65-F5344CB8AC3E}">
-        <p14:creationId xmlns:p14="http://schemas.microsoft.com/office/powerpoint/2010/main" val="1917552685"/>
       </p:ext>
     </p:extLst>
   </p:cSld>
@@ -40952,6 +40903,357 @@
           <a:chExt cx="0" cy="0"/>
         </a:xfrm>
       </p:grpSpPr>
+      <p:sp>
+        <p:nvSpPr>
+          <p:cNvPr id="2" name="矩形 6">
+            <a:extLst>
+              <a:ext uri="{FF2B5EF4-FFF2-40B4-BE49-F238E27FC236}">
+                <a16:creationId xmlns:a16="http://schemas.microsoft.com/office/drawing/2014/main" id="{3D02161C-6C69-4224-A3D2-A67B73B5647C}"/>
+              </a:ext>
+            </a:extLst>
+          </p:cNvPr>
+          <p:cNvSpPr/>
+          <p:nvPr/>
+        </p:nvSpPr>
+        <p:spPr>
+          <a:xfrm>
+            <a:off x="326939" y="247468"/>
+            <a:ext cx="3369441" cy="584775"/>
+          </a:xfrm>
+          <a:prstGeom prst="rect">
+            <a:avLst/>
+          </a:prstGeom>
+        </p:spPr>
+        <p:txBody>
+          <a:bodyPr wrap="square">
+            <a:spAutoFit/>
+          </a:bodyPr>
+          <a:lstStyle/>
+          <a:p>
+            <a:pPr marL="0" marR="0" lvl="0" indent="0" algn="l" defTabSz="914400" rtl="0" eaLnBrk="1" fontAlgn="auto" latinLnBrk="0" hangingPunct="1">
+              <a:lnSpc>
+                <a:spcPct val="100000"/>
+              </a:lnSpc>
+              <a:spcBef>
+                <a:spcPts val="0"/>
+              </a:spcBef>
+              <a:spcAft>
+                <a:spcPts val="0"/>
+              </a:spcAft>
+              <a:buClrTx/>
+              <a:buSzTx/>
+              <a:buFontTx/>
+              <a:buNone/>
+              <a:tabLst/>
+              <a:defRPr/>
+            </a:pPr>
+            <a:r>
+              <a:rPr kumimoji="0" lang="en-US" altLang="zh-CN" sz="3200" b="0" i="0" u="none" strike="noStrike" kern="1200" cap="none" spc="0" normalizeH="0" baseline="0" noProof="0" dirty="0">
+                <a:ln>
+                  <a:noFill/>
+                </a:ln>
+                <a:solidFill>
+                  <a:srgbClr val="3598DB"/>
+                </a:solidFill>
+                <a:effectLst/>
+                <a:uLnTx/>
+                <a:uFillTx/>
+                <a:latin typeface="Calibri"/>
+                <a:ea typeface="宋体" panose="02010600030101010101" pitchFamily="2" charset="-122"/>
+                <a:cs typeface="+mn-cs"/>
+              </a:rPr>
+              <a:t>Implementation </a:t>
+            </a:r>
+            <a:endParaRPr kumimoji="0" lang="zh-CN" altLang="en-US" sz="3200" b="0" i="0" u="none" strike="noStrike" kern="1200" cap="none" spc="0" normalizeH="0" baseline="0" noProof="0" dirty="0">
+              <a:ln>
+                <a:noFill/>
+              </a:ln>
+              <a:solidFill>
+                <a:srgbClr val="3598DB"/>
+              </a:solidFill>
+              <a:effectLst/>
+              <a:uLnTx/>
+              <a:uFillTx/>
+              <a:latin typeface="Calibri"/>
+              <a:ea typeface="宋体" panose="02010600030101010101" pitchFamily="2" charset="-122"/>
+              <a:cs typeface="+mn-cs"/>
+            </a:endParaRPr>
+          </a:p>
+        </p:txBody>
+      </p:sp>
+      <p:sp>
+        <p:nvSpPr>
+          <p:cNvPr id="3" name="矩形 5">
+            <a:extLst>
+              <a:ext uri="{FF2B5EF4-FFF2-40B4-BE49-F238E27FC236}">
+                <a16:creationId xmlns:a16="http://schemas.microsoft.com/office/drawing/2014/main" id="{B7151EA4-7007-426C-906B-F85EC9A297A5}"/>
+              </a:ext>
+            </a:extLst>
+          </p:cNvPr>
+          <p:cNvSpPr/>
+          <p:nvPr/>
+        </p:nvSpPr>
+        <p:spPr>
+          <a:xfrm>
+            <a:off x="77247" y="156227"/>
+            <a:ext cx="3189539" cy="767255"/>
+          </a:xfrm>
+          <a:prstGeom prst="rect">
+            <a:avLst/>
+          </a:prstGeom>
+          <a:noFill/>
+          <a:ln>
+            <a:solidFill>
+              <a:srgbClr val="00B0F0"/>
+            </a:solidFill>
+          </a:ln>
+        </p:spPr>
+        <p:style>
+          <a:lnRef idx="2">
+            <a:schemeClr val="accent1">
+              <a:shade val="50000"/>
+            </a:schemeClr>
+          </a:lnRef>
+          <a:fillRef idx="1">
+            <a:schemeClr val="accent1"/>
+          </a:fillRef>
+          <a:effectRef idx="0">
+            <a:schemeClr val="accent1"/>
+          </a:effectRef>
+          <a:fontRef idx="minor">
+            <a:schemeClr val="lt1"/>
+          </a:fontRef>
+        </p:style>
+        <p:txBody>
+          <a:bodyPr rtlCol="0" anchor="ctr"/>
+          <a:lstStyle/>
+          <a:p>
+            <a:pPr marL="0" marR="0" lvl="0" indent="0" algn="ctr" defTabSz="914400" rtl="0" eaLnBrk="1" fontAlgn="auto" latinLnBrk="0" hangingPunct="1">
+              <a:lnSpc>
+                <a:spcPct val="100000"/>
+              </a:lnSpc>
+              <a:spcBef>
+                <a:spcPts val="0"/>
+              </a:spcBef>
+              <a:spcAft>
+                <a:spcPts val="0"/>
+              </a:spcAft>
+              <a:buClrTx/>
+              <a:buSzTx/>
+              <a:buFontTx/>
+              <a:buNone/>
+              <a:tabLst/>
+              <a:defRPr/>
+            </a:pPr>
+            <a:endParaRPr kumimoji="0" lang="zh-CN" altLang="en-US" sz="1800" b="0" i="0" u="none" strike="noStrike" kern="1200" cap="none" spc="0" normalizeH="0" baseline="0" noProof="0">
+              <a:ln>
+                <a:noFill/>
+              </a:ln>
+              <a:solidFill>
+                <a:srgbClr val="00B0F0"/>
+              </a:solidFill>
+              <a:effectLst/>
+              <a:uLnTx/>
+              <a:uFillTx/>
+              <a:latin typeface="Calibri"/>
+              <a:ea typeface="宋体" panose="02010600030101010101" pitchFamily="2" charset="-122"/>
+              <a:cs typeface="+mn-cs"/>
+            </a:endParaRPr>
+          </a:p>
+        </p:txBody>
+      </p:sp>
+      <p:sp>
+        <p:nvSpPr>
+          <p:cNvPr id="4" name="文本框 8">
+            <a:extLst>
+              <a:ext uri="{FF2B5EF4-FFF2-40B4-BE49-F238E27FC236}">
+                <a16:creationId xmlns:a16="http://schemas.microsoft.com/office/drawing/2014/main" id="{8C4D044E-F62E-4071-BA49-1840B402A0F3}"/>
+              </a:ext>
+            </a:extLst>
+          </p:cNvPr>
+          <p:cNvSpPr txBox="1"/>
+          <p:nvPr/>
+        </p:nvSpPr>
+        <p:spPr>
+          <a:xfrm>
+            <a:off x="9469478" y="247468"/>
+            <a:ext cx="2720935" cy="369332"/>
+          </a:xfrm>
+          <a:prstGeom prst="rect">
+            <a:avLst/>
+          </a:prstGeom>
+          <a:noFill/>
+        </p:spPr>
+        <p:txBody>
+          <a:bodyPr wrap="square" rtlCol="0">
+            <a:spAutoFit/>
+          </a:bodyPr>
+          <a:lstStyle/>
+          <a:p>
+            <a:r>
+              <a:rPr lang="en-US" altLang="zh-CN" dirty="0"/>
+              <a:t>Collison</a:t>
+            </a:r>
+            <a:endParaRPr lang="zh-CN" altLang="en-US" dirty="0"/>
+          </a:p>
+        </p:txBody>
+      </p:sp>
+      <p:pic>
+        <p:nvPicPr>
+          <p:cNvPr id="5" name="Picture 4">
+            <a:extLst>
+              <a:ext uri="{FF2B5EF4-FFF2-40B4-BE49-F238E27FC236}">
+                <a16:creationId xmlns:a16="http://schemas.microsoft.com/office/drawing/2014/main" id="{CF3C792E-087B-46A0-AC8D-7662C1E97B74}"/>
+              </a:ext>
+            </a:extLst>
+          </p:cNvPr>
+          <p:cNvPicPr>
+            <a:picLocks noChangeAspect="1"/>
+          </p:cNvPicPr>
+          <p:nvPr/>
+        </p:nvPicPr>
+        <p:blipFill>
+          <a:blip r:embed="rId2"/>
+          <a:stretch>
+            <a:fillRect/>
+          </a:stretch>
+        </p:blipFill>
+        <p:spPr>
+          <a:xfrm>
+            <a:off x="326939" y="4491342"/>
+            <a:ext cx="2697714" cy="1676545"/>
+          </a:xfrm>
+          <a:prstGeom prst="rect">
+            <a:avLst/>
+          </a:prstGeom>
+        </p:spPr>
+      </p:pic>
+      <p:pic>
+        <p:nvPicPr>
+          <p:cNvPr id="6" name="Picture 5">
+            <a:extLst>
+              <a:ext uri="{FF2B5EF4-FFF2-40B4-BE49-F238E27FC236}">
+                <a16:creationId xmlns:a16="http://schemas.microsoft.com/office/drawing/2014/main" id="{6AC6D941-1352-4DF2-97BA-BE169CB06952}"/>
+              </a:ext>
+            </a:extLst>
+          </p:cNvPr>
+          <p:cNvPicPr>
+            <a:picLocks noChangeAspect="1"/>
+          </p:cNvPicPr>
+          <p:nvPr/>
+        </p:nvPicPr>
+        <p:blipFill>
+          <a:blip r:embed="rId3">
+            <a:extLst>
+              <a:ext uri="{28A0092B-C50C-407E-A947-70E740481C1C}">
+                <a14:useLocalDpi xmlns:a14="http://schemas.microsoft.com/office/drawing/2010/main" val="0"/>
+              </a:ext>
+            </a:extLst>
+          </a:blip>
+          <a:stretch>
+            <a:fillRect/>
+          </a:stretch>
+        </p:blipFill>
+        <p:spPr>
+          <a:xfrm>
+            <a:off x="3266786" y="0"/>
+            <a:ext cx="3795369" cy="6859588"/>
+          </a:xfrm>
+          <a:prstGeom prst="rect">
+            <a:avLst/>
+          </a:prstGeom>
+        </p:spPr>
+      </p:pic>
+      <p:pic>
+        <p:nvPicPr>
+          <p:cNvPr id="7" name="Picture 6">
+            <a:extLst>
+              <a:ext uri="{FF2B5EF4-FFF2-40B4-BE49-F238E27FC236}">
+                <a16:creationId xmlns:a16="http://schemas.microsoft.com/office/drawing/2014/main" id="{236B54A6-948D-48F3-9CF1-70B7CCA0970B}"/>
+              </a:ext>
+            </a:extLst>
+          </p:cNvPr>
+          <p:cNvPicPr>
+            <a:picLocks noChangeAspect="1"/>
+          </p:cNvPicPr>
+          <p:nvPr/>
+        </p:nvPicPr>
+        <p:blipFill>
+          <a:blip r:embed="rId4"/>
+          <a:stretch>
+            <a:fillRect/>
+          </a:stretch>
+        </p:blipFill>
+        <p:spPr>
+          <a:xfrm>
+            <a:off x="7062155" y="1138489"/>
+            <a:ext cx="5130162" cy="5029398"/>
+          </a:xfrm>
+          <a:prstGeom prst="rect">
+            <a:avLst/>
+          </a:prstGeom>
+        </p:spPr>
+      </p:pic>
+      <p:pic>
+        <p:nvPicPr>
+          <p:cNvPr id="8" name="Picture 7">
+            <a:extLst>
+              <a:ext uri="{FF2B5EF4-FFF2-40B4-BE49-F238E27FC236}">
+                <a16:creationId xmlns:a16="http://schemas.microsoft.com/office/drawing/2014/main" id="{D0E6DEE8-0159-456E-8C6D-0F1F98BCDC01}"/>
+              </a:ext>
+            </a:extLst>
+          </p:cNvPr>
+          <p:cNvPicPr>
+            <a:picLocks noChangeAspect="1"/>
+          </p:cNvPicPr>
+          <p:nvPr/>
+        </p:nvPicPr>
+        <p:blipFill>
+          <a:blip r:embed="rId5"/>
+          <a:stretch>
+            <a:fillRect/>
+          </a:stretch>
+        </p:blipFill>
+        <p:spPr>
+          <a:xfrm>
+            <a:off x="0" y="1014723"/>
+            <a:ext cx="3259962" cy="3308702"/>
+          </a:xfrm>
+          <a:prstGeom prst="rect">
+            <a:avLst/>
+          </a:prstGeom>
+        </p:spPr>
+      </p:pic>
+    </p:spTree>
+    <p:extLst>
+      <p:ext uri="{BB962C8B-B14F-4D97-AF65-F5344CB8AC3E}">
+        <p14:creationId xmlns:p14="http://schemas.microsoft.com/office/powerpoint/2010/main" val="1917552685"/>
+      </p:ext>
+    </p:extLst>
+  </p:cSld>
+  <p:clrMapOvr>
+    <a:masterClrMapping/>
+  </p:clrMapOvr>
+</p:sld>
+</file>
+
+<file path=ppt/slides/slide21.xml><?xml version="1.0" encoding="utf-8"?>
+<p:sld xmlns:a="http://schemas.openxmlformats.org/drawingml/2006/main" xmlns:r="http://schemas.openxmlformats.org/officeDocument/2006/relationships" xmlns:p="http://schemas.openxmlformats.org/presentationml/2006/main">
+  <p:cSld>
+    <p:spTree>
+      <p:nvGrpSpPr>
+        <p:cNvPr id="1" name=""/>
+        <p:cNvGrpSpPr/>
+        <p:nvPr/>
+      </p:nvGrpSpPr>
+      <p:grpSpPr>
+        <a:xfrm>
+          <a:off x="0" y="0"/>
+          <a:ext cx="0" cy="0"/>
+          <a:chOff x="0" y="0"/>
+          <a:chExt cx="0" cy="0"/>
+        </a:xfrm>
+      </p:grpSpPr>
       <p:pic>
         <p:nvPicPr>
           <p:cNvPr id="2" name="图片 1">
@@ -41841,7 +42143,7 @@
 </p:sld>
 </file>
 
-<file path=ppt/slides/slide21.xml><?xml version="1.0" encoding="utf-8"?>
+<file path=ppt/slides/slide22.xml><?xml version="1.0" encoding="utf-8"?>
 <p:sld xmlns:a="http://schemas.openxmlformats.org/drawingml/2006/main" xmlns:r="http://schemas.openxmlformats.org/officeDocument/2006/relationships" xmlns:p="http://schemas.openxmlformats.org/presentationml/2006/main">
   <p:cSld>
     <p:spTree>
@@ -42263,7 +42565,7 @@
 </p:sld>
 </file>
 
-<file path=ppt/slides/slide22.xml><?xml version="1.0" encoding="utf-8"?>
+<file path=ppt/slides/slide23.xml><?xml version="1.0" encoding="utf-8"?>
 <p:sld xmlns:a="http://schemas.openxmlformats.org/drawingml/2006/main" xmlns:r="http://schemas.openxmlformats.org/officeDocument/2006/relationships" xmlns:p="http://schemas.openxmlformats.org/presentationml/2006/main">
   <p:cSld>
     <p:spTree>
@@ -42650,7 +42952,7 @@
 </p:sld>
 </file>
 
-<file path=ppt/slides/slide23.xml><?xml version="1.0" encoding="utf-8"?>
+<file path=ppt/slides/slide24.xml><?xml version="1.0" encoding="utf-8"?>
 <p:sld xmlns:a="http://schemas.openxmlformats.org/drawingml/2006/main" xmlns:r="http://schemas.openxmlformats.org/officeDocument/2006/relationships" xmlns:p="http://schemas.openxmlformats.org/presentationml/2006/main">
   <p:cSld>
     <p:spTree>
@@ -42941,7 +43243,7 @@
 </p:sld>
 </file>
 
-<file path=ppt/slides/slide24.xml><?xml version="1.0" encoding="utf-8"?>
+<file path=ppt/slides/slide25.xml><?xml version="1.0" encoding="utf-8"?>
 <p:sld xmlns:a="http://schemas.openxmlformats.org/drawingml/2006/main" xmlns:r="http://schemas.openxmlformats.org/officeDocument/2006/relationships" xmlns:p="http://schemas.openxmlformats.org/presentationml/2006/main">
   <p:cSld>
     <p:spTree>
@@ -43536,7 +43838,7 @@
 </p:sld>
 </file>
 
-<file path=ppt/slides/slide25.xml><?xml version="1.0" encoding="utf-8"?>
+<file path=ppt/slides/slide26.xml><?xml version="1.0" encoding="utf-8"?>
 <p:sld xmlns:a="http://schemas.openxmlformats.org/drawingml/2006/main" xmlns:r="http://schemas.openxmlformats.org/officeDocument/2006/relationships" xmlns:p="http://schemas.openxmlformats.org/presentationml/2006/main">
   <p:cSld>
     <p:spTree>
@@ -43596,7 +43898,7 @@
 </p:sld>
 </file>
 
-<file path=ppt/slides/slide26.xml><?xml version="1.0" encoding="utf-8"?>
+<file path=ppt/slides/slide27.xml><?xml version="1.0" encoding="utf-8"?>
 <p:sld xmlns:a="http://schemas.openxmlformats.org/drawingml/2006/main" xmlns:r="http://schemas.openxmlformats.org/officeDocument/2006/relationships" xmlns:p="http://schemas.openxmlformats.org/presentationml/2006/main">
   <p:cSld>
     <p:spTree>

--- a/Group 8 ArcherBattle.pptx
+++ b/Group 8 ArcherBattle.pptx
@@ -33972,7 +33972,7 @@
         </p:nvSpPr>
         <p:spPr>
           <a:xfrm>
-            <a:off x="9570720" y="457614"/>
+            <a:off x="10227383" y="252248"/>
             <a:ext cx="1544320" cy="369332"/>
           </a:xfrm>
           <a:prstGeom prst="rect">
@@ -33994,42 +33994,6 @@
           </a:p>
         </p:txBody>
       </p:sp>
-      <p:pic>
-        <p:nvPicPr>
-          <p:cNvPr id="11" name="Picture 10">
-            <a:extLst>
-              <a:ext uri="{FF2B5EF4-FFF2-40B4-BE49-F238E27FC236}">
-                <a16:creationId xmlns:a16="http://schemas.microsoft.com/office/drawing/2014/main" id="{4393469B-6375-4394-9833-E3A03EB0563D}"/>
-              </a:ext>
-            </a:extLst>
-          </p:cNvPr>
-          <p:cNvPicPr>
-            <a:picLocks noChangeAspect="1"/>
-          </p:cNvPicPr>
-          <p:nvPr/>
-        </p:nvPicPr>
-        <p:blipFill>
-          <a:blip r:embed="rId3">
-            <a:extLst>
-              <a:ext uri="{28A0092B-C50C-407E-A947-70E740481C1C}">
-                <a14:useLocalDpi xmlns:a14="http://schemas.microsoft.com/office/drawing/2010/main" val="0"/>
-              </a:ext>
-            </a:extLst>
-          </a:blip>
-          <a:stretch>
-            <a:fillRect/>
-          </a:stretch>
-        </p:blipFill>
-        <p:spPr>
-          <a:xfrm>
-            <a:off x="5592932" y="0"/>
-            <a:ext cx="3795369" cy="6859588"/>
-          </a:xfrm>
-          <a:prstGeom prst="rect">
-            <a:avLst/>
-          </a:prstGeom>
-        </p:spPr>
-      </p:pic>
       <p:pic>
         <p:nvPicPr>
           <p:cNvPr id="12" name="Picture 11">
@@ -34045,15 +34009,51 @@
           <p:nvPr/>
         </p:nvPicPr>
         <p:blipFill>
-          <a:blip r:embed="rId4"/>
+          <a:blip r:embed="rId3"/>
           <a:stretch>
             <a:fillRect/>
           </a:stretch>
         </p:blipFill>
         <p:spPr>
           <a:xfrm>
-            <a:off x="406838" y="1671700"/>
-            <a:ext cx="4914949" cy="2873666"/>
+            <a:off x="406838" y="1671699"/>
+            <a:ext cx="5400833" cy="3406327"/>
+          </a:xfrm>
+          <a:prstGeom prst="rect">
+            <a:avLst/>
+          </a:prstGeom>
+        </p:spPr>
+      </p:pic>
+      <p:pic>
+        <p:nvPicPr>
+          <p:cNvPr id="14" name="Picture 13">
+            <a:extLst>
+              <a:ext uri="{FF2B5EF4-FFF2-40B4-BE49-F238E27FC236}">
+                <a16:creationId xmlns:a16="http://schemas.microsoft.com/office/drawing/2014/main" id="{45195C1B-C089-42A8-8BF4-7F971DD0D949}"/>
+              </a:ext>
+            </a:extLst>
+          </p:cNvPr>
+          <p:cNvPicPr>
+            <a:picLocks noChangeAspect="1"/>
+          </p:cNvPicPr>
+          <p:nvPr/>
+        </p:nvPicPr>
+        <p:blipFill>
+          <a:blip r:embed="rId4">
+            <a:extLst>
+              <a:ext uri="{28A0092B-C50C-407E-A947-70E740481C1C}">
+                <a14:useLocalDpi xmlns:a14="http://schemas.microsoft.com/office/drawing/2010/main" val="0"/>
+              </a:ext>
+            </a:extLst>
+          </a:blip>
+          <a:stretch>
+            <a:fillRect/>
+          </a:stretch>
+        </p:blipFill>
+        <p:spPr>
+          <a:xfrm>
+            <a:off x="5971219" y="204186"/>
+            <a:ext cx="3777417" cy="6557828"/>
           </a:xfrm>
           <a:prstGeom prst="rect">
             <a:avLst/>
